--- a/Group7.pptx
+++ b/Group7.pptx
@@ -6,6 +6,7 @@
   </p:sldMasterIdLst>
   <p:sldIdLst>
     <p:sldId id="257" r:id="rId2"/>
+    <p:sldId id="259" r:id="rId3"/>
   </p:sldIdLst>
   <p:sldSz cx="12192000" cy="6858000"/>
   <p:notesSz cx="6858000" cy="9144000"/>
@@ -104,6 +105,11 @@
       </a:defRPr>
     </a:lvl9pPr>
   </p:defaultTextStyle>
+  <p:extLst>
+    <p:ext uri="{EFAFB233-063F-42B5-8137-9DF3F51BA10A}">
+      <p15:sldGuideLst xmlns:p15="http://schemas.microsoft.com/office/powerpoint/2012/main"/>
+    </p:ext>
+  </p:extLst>
 </p:presentation>
 </file>
 
@@ -6073,7 +6079,7 @@
           <a:p>
             <a:pPr algn="ctr"/>
             <a:r>
-              <a:rPr lang="en-US" sz="2000" dirty="0">
+              <a:rPr lang="en-US" sz="2000" cap="none" dirty="0">
                 <a:solidFill>
                   <a:schemeClr val="tx1"/>
                 </a:solidFill>
@@ -6084,7 +6090,7 @@
           <a:p>
             <a:pPr algn="ctr"/>
             <a:r>
-              <a:rPr lang="en-US" sz="2000" dirty="0">
+              <a:rPr lang="en-US" sz="2000" cap="none" dirty="0">
                 <a:solidFill>
                   <a:schemeClr val="tx1"/>
                 </a:solidFill>
@@ -6092,14 +6098,14 @@
               <a:t>Jonah </a:t>
             </a:r>
             <a:r>
-              <a:rPr lang="en-US" sz="2000" dirty="0" err="1">
+              <a:rPr lang="en-US" sz="2000" cap="none" dirty="0" err="1">
                 <a:solidFill>
                   <a:schemeClr val="tx1"/>
                 </a:solidFill>
               </a:rPr>
               <a:t>Kubath</a:t>
             </a:r>
-            <a:endParaRPr lang="en-US" sz="2000" dirty="0">
+            <a:endParaRPr lang="en-US" sz="2000" cap="none" dirty="0">
               <a:solidFill>
                 <a:schemeClr val="tx1"/>
               </a:solidFill>
@@ -6111,6 +6117,332 @@
     <p:extLst>
       <p:ext uri="{BB962C8B-B14F-4D97-AF65-F5344CB8AC3E}">
         <p14:creationId xmlns:p14="http://schemas.microsoft.com/office/powerpoint/2010/main" val="4017014971"/>
+      </p:ext>
+    </p:extLst>
+  </p:cSld>
+  <p:clrMapOvr>
+    <a:masterClrMapping/>
+  </p:clrMapOvr>
+</p:sld>
+</file>
+
+<file path=ppt/slides/slide2.xml><?xml version="1.0" encoding="utf-8"?>
+<p:sld xmlns:a="http://schemas.openxmlformats.org/drawingml/2006/main" xmlns:r="http://schemas.openxmlformats.org/officeDocument/2006/relationships" xmlns:p="http://schemas.openxmlformats.org/presentationml/2006/main">
+  <p:cSld>
+    <p:bg>
+      <p:bgPr>
+        <a:blipFill rotWithShape="1">
+          <a:blip r:embed="rId2">
+            <a:duotone>
+              <a:schemeClr val="bg2">
+                <a:shade val="62000"/>
+                <a:hueMod val="108000"/>
+                <a:satMod val="164000"/>
+                <a:lumMod val="69000"/>
+              </a:schemeClr>
+              <a:schemeClr val="bg2">
+                <a:tint val="96000"/>
+                <a:hueMod val="90000"/>
+                <a:satMod val="130000"/>
+                <a:lumMod val="134000"/>
+              </a:schemeClr>
+            </a:duotone>
+            <a:extLst/>
+          </a:blip>
+          <a:stretch/>
+        </a:blipFill>
+        <a:effectLst/>
+      </p:bgPr>
+    </p:bg>
+    <p:spTree>
+      <p:nvGrpSpPr>
+        <p:cNvPr id="1" name=""/>
+        <p:cNvGrpSpPr/>
+        <p:nvPr/>
+      </p:nvGrpSpPr>
+      <p:grpSpPr>
+        <a:xfrm>
+          <a:off x="0" y="0"/>
+          <a:ext cx="0" cy="0"/>
+          <a:chOff x="0" y="0"/>
+          <a:chExt cx="0" cy="0"/>
+        </a:xfrm>
+      </p:grpSpPr>
+      <p:sp>
+        <p:nvSpPr>
+          <p:cNvPr id="2" name="Title 1">
+            <a:extLst>
+              <a:ext uri="{FF2B5EF4-FFF2-40B4-BE49-F238E27FC236}">
+                <a16:creationId xmlns:a16="http://schemas.microsoft.com/office/drawing/2014/main" id="{D443C54C-6DF9-CA4A-958E-308AAB870370}"/>
+              </a:ext>
+            </a:extLst>
+          </p:cNvPr>
+          <p:cNvSpPr>
+            <a:spLocks noGrp="1"/>
+          </p:cNvSpPr>
+          <p:nvPr>
+            <p:ph type="ctrTitle"/>
+          </p:nvPr>
+        </p:nvSpPr>
+        <p:spPr>
+          <a:xfrm>
+            <a:off x="647701" y="571500"/>
+            <a:ext cx="3339281" cy="765545"/>
+          </a:xfrm>
+        </p:spPr>
+        <p:txBody>
+          <a:bodyPr>
+            <a:normAutofit/>
+          </a:bodyPr>
+          <a:lstStyle/>
+          <a:p>
+            <a:r>
+              <a:rPr lang="en-US" sz="4200" dirty="0"/>
+              <a:t>Proteomics</a:t>
+            </a:r>
+          </a:p>
+        </p:txBody>
+      </p:sp>
+      <p:sp>
+        <p:nvSpPr>
+          <p:cNvPr id="3" name="Subtitle 2">
+            <a:extLst>
+              <a:ext uri="{FF2B5EF4-FFF2-40B4-BE49-F238E27FC236}">
+                <a16:creationId xmlns:a16="http://schemas.microsoft.com/office/drawing/2014/main" id="{CBB04ED8-73E4-FD41-843B-5F27AD032BF4}"/>
+              </a:ext>
+            </a:extLst>
+          </p:cNvPr>
+          <p:cNvSpPr>
+            <a:spLocks noGrp="1"/>
+          </p:cNvSpPr>
+          <p:nvPr>
+            <p:ph type="subTitle" idx="1"/>
+          </p:nvPr>
+        </p:nvSpPr>
+        <p:spPr>
+          <a:xfrm>
+            <a:off x="401807" y="2154583"/>
+            <a:ext cx="5463005" cy="3672475"/>
+          </a:xfrm>
+        </p:spPr>
+        <p:txBody>
+          <a:bodyPr>
+            <a:normAutofit/>
+          </a:bodyPr>
+          <a:lstStyle/>
+          <a:p>
+            <a:pPr marL="342900" indent="-342900">
+              <a:buClr>
+                <a:schemeClr val="tx1"/>
+              </a:buClr>
+              <a:buFont typeface="Arial" panose="020B0604020202020204" pitchFamily="34" charset="0"/>
+              <a:buChar char="•"/>
+            </a:pPr>
+            <a:r>
+              <a:rPr lang="en-US" cap="none" dirty="0">
+                <a:solidFill>
+                  <a:schemeClr val="tx1"/>
+                </a:solidFill>
+              </a:rPr>
+              <a:t>Mass Spectrometry</a:t>
+            </a:r>
+          </a:p>
+          <a:p>
+            <a:pPr marL="342900" indent="-342900">
+              <a:buClr>
+                <a:schemeClr val="tx1"/>
+              </a:buClr>
+              <a:buFont typeface="Arial" panose="020B0604020202020204" pitchFamily="34" charset="0"/>
+              <a:buChar char="•"/>
+            </a:pPr>
+            <a:endParaRPr lang="en-US" cap="none" dirty="0">
+              <a:solidFill>
+                <a:schemeClr val="tx1"/>
+              </a:solidFill>
+            </a:endParaRPr>
+          </a:p>
+          <a:p>
+            <a:pPr marL="342900" indent="-342900">
+              <a:buClr>
+                <a:schemeClr val="tx1"/>
+              </a:buClr>
+              <a:buFont typeface="Arial" panose="020B0604020202020204" pitchFamily="34" charset="0"/>
+              <a:buChar char="•"/>
+            </a:pPr>
+            <a:r>
+              <a:rPr lang="en-US" cap="none" dirty="0">
+                <a:solidFill>
+                  <a:schemeClr val="tx1"/>
+                </a:solidFill>
+              </a:rPr>
+              <a:t>Proteins are broken into Peptide Sequences</a:t>
+            </a:r>
+          </a:p>
+          <a:p>
+            <a:pPr marL="342900" indent="-342900">
+              <a:buClr>
+                <a:schemeClr val="tx1"/>
+              </a:buClr>
+              <a:buFont typeface="Arial" panose="020B0604020202020204" pitchFamily="34" charset="0"/>
+              <a:buChar char="•"/>
+            </a:pPr>
+            <a:endParaRPr lang="en-US" cap="none" dirty="0">
+              <a:solidFill>
+                <a:schemeClr val="tx1"/>
+              </a:solidFill>
+            </a:endParaRPr>
+          </a:p>
+          <a:p>
+            <a:pPr marL="342900" indent="-342900">
+              <a:buClr>
+                <a:schemeClr val="tx1"/>
+              </a:buClr>
+              <a:buFont typeface="Arial" panose="020B0604020202020204" pitchFamily="34" charset="0"/>
+              <a:buChar char="•"/>
+            </a:pPr>
+            <a:r>
+              <a:rPr lang="en-US" cap="none" dirty="0">
+                <a:solidFill>
+                  <a:schemeClr val="tx1"/>
+                </a:solidFill>
+              </a:rPr>
+              <a:t>Peptide are broken down into ions</a:t>
+            </a:r>
+          </a:p>
+          <a:p>
+            <a:pPr marL="342900" indent="-342900">
+              <a:buClr>
+                <a:schemeClr val="tx1"/>
+              </a:buClr>
+              <a:buFont typeface="Arial" panose="020B0604020202020204" pitchFamily="34" charset="0"/>
+              <a:buChar char="•"/>
+            </a:pPr>
+            <a:endParaRPr lang="en-US" cap="none" dirty="0">
+              <a:solidFill>
+                <a:schemeClr val="tx1"/>
+              </a:solidFill>
+            </a:endParaRPr>
+          </a:p>
+          <a:p>
+            <a:pPr marL="342900" indent="-342900">
+              <a:buClr>
+                <a:schemeClr val="tx1"/>
+              </a:buClr>
+              <a:buFont typeface="Arial" panose="020B0604020202020204" pitchFamily="34" charset="0"/>
+              <a:buChar char="•"/>
+            </a:pPr>
+            <a:r>
+              <a:rPr lang="en-US" cap="none" dirty="0">
+                <a:solidFill>
+                  <a:schemeClr val="tx1"/>
+                </a:solidFill>
+              </a:rPr>
+              <a:t>Ions are then fragmented, separated, and detected</a:t>
+            </a:r>
+          </a:p>
+          <a:p>
+            <a:pPr marL="342900" indent="-342900">
+              <a:buFont typeface="+mj-lt"/>
+              <a:buAutoNum type="arabicPeriod"/>
+            </a:pPr>
+            <a:endParaRPr lang="en-US" cap="none" dirty="0">
+              <a:solidFill>
+                <a:schemeClr val="tx1"/>
+              </a:solidFill>
+            </a:endParaRPr>
+          </a:p>
+        </p:txBody>
+      </p:sp>
+      <p:pic>
+        <p:nvPicPr>
+          <p:cNvPr id="4" name="Picture 3">
+            <a:extLst>
+              <a:ext uri="{FF2B5EF4-FFF2-40B4-BE49-F238E27FC236}">
+                <a16:creationId xmlns:a16="http://schemas.microsoft.com/office/drawing/2014/main" id="{41533893-FA7F-D848-BB1D-DF98F77A2EE7}"/>
+              </a:ext>
+            </a:extLst>
+          </p:cNvPr>
+          <p:cNvPicPr preferRelativeResize="0"/>
+          <p:nvPr/>
+        </p:nvPicPr>
+        <p:blipFill rotWithShape="1">
+          <a:blip r:embed="rId3">
+            <a:extLst>
+              <a:ext uri="{28A0092B-C50C-407E-A947-70E740481C1C}">
+                <a14:useLocalDpi xmlns:a14="http://schemas.microsoft.com/office/drawing/2010/main" val="0"/>
+              </a:ext>
+            </a:extLst>
+          </a:blip>
+          <a:stretch/>
+        </p:blipFill>
+        <p:spPr bwMode="auto">
+          <a:xfrm>
+            <a:off x="5864812" y="1332563"/>
+            <a:ext cx="6110504" cy="4999233"/>
+          </a:xfrm>
+          <a:prstGeom prst="rect">
+            <a:avLst/>
+          </a:prstGeom>
+          <a:noFill/>
+        </p:spPr>
+      </p:pic>
+      <p:sp>
+        <p:nvSpPr>
+          <p:cNvPr id="9" name="Rectangle 8">
+            <a:extLst>
+              <a:ext uri="{FF2B5EF4-FFF2-40B4-BE49-F238E27FC236}">
+                <a16:creationId xmlns:a16="http://schemas.microsoft.com/office/drawing/2014/main" id="{C91B2AEB-9C03-4291-82DB-27D351F311F4}"/>
+              </a:ext>
+              <a:ext uri="{C183D7F6-B498-43B3-948B-1728B52AA6E4}">
+                <adec:decorative xmlns:adec="http://schemas.microsoft.com/office/drawing/2017/decorative" val="1"/>
+              </a:ext>
+            </a:extLst>
+          </p:cNvPr>
+          <p:cNvSpPr>
+            <a:spLocks noGrp="1" noRot="1" noChangeAspect="1" noMove="1" noResize="1" noEditPoints="1" noAdjustHandles="1" noChangeArrowheads="1" noChangeShapeType="1" noTextEdit="1"/>
+          </p:cNvSpPr>
+          <p:nvPr>
+            <p:extLst>
+              <p:ext uri="{386F3935-93C4-4BCD-93E2-E3B085C9AB24}">
+                <p16:designElem xmlns:p16="http://schemas.microsoft.com/office/powerpoint/2015/main" val="1"/>
+              </p:ext>
+            </p:extLst>
+          </p:nvPr>
+        </p:nvSpPr>
+        <p:spPr>
+          <a:xfrm>
+            <a:off x="10437812" y="0"/>
+            <a:ext cx="685800" cy="1143000"/>
+          </a:xfrm>
+          <a:prstGeom prst="rect">
+            <a:avLst/>
+          </a:prstGeom>
+          <a:solidFill>
+            <a:schemeClr val="accent1"/>
+          </a:solidFill>
+          <a:ln>
+            <a:noFill/>
+          </a:ln>
+        </p:spPr>
+        <p:style>
+          <a:lnRef idx="1">
+            <a:schemeClr val="accent1"/>
+          </a:lnRef>
+          <a:fillRef idx="3">
+            <a:schemeClr val="accent1"/>
+          </a:fillRef>
+          <a:effectRef idx="2">
+            <a:schemeClr val="accent1"/>
+          </a:effectRef>
+          <a:fontRef idx="minor">
+            <a:schemeClr val="lt1"/>
+          </a:fontRef>
+        </p:style>
+      </p:sp>
+    </p:spTree>
+    <p:extLst>
+      <p:ext uri="{BB962C8B-B14F-4D97-AF65-F5344CB8AC3E}">
+        <p14:creationId xmlns:p14="http://schemas.microsoft.com/office/powerpoint/2010/main" val="820444391"/>
       </p:ext>
     </p:extLst>
   </p:cSld>

--- a/Group7.pptx
+++ b/Group7.pptx
@@ -7,6 +7,13 @@
   <p:sldIdLst>
     <p:sldId id="257" r:id="rId2"/>
     <p:sldId id="259" r:id="rId3"/>
+    <p:sldId id="261" r:id="rId4"/>
+    <p:sldId id="260" r:id="rId5"/>
+    <p:sldId id="262" r:id="rId6"/>
+    <p:sldId id="263" r:id="rId7"/>
+    <p:sldId id="264" r:id="rId8"/>
+    <p:sldId id="265" r:id="rId9"/>
+    <p:sldId id="266" r:id="rId10"/>
   </p:sldIdLst>
   <p:sldSz cx="12192000" cy="6858000"/>
   <p:notesSz cx="6858000" cy="9144000"/>
@@ -6452,6 +6459,2123 @@
 </p:sld>
 </file>
 
+<file path=ppt/slides/slide3.xml><?xml version="1.0" encoding="utf-8"?>
+<p:sld xmlns:a="http://schemas.openxmlformats.org/drawingml/2006/main" xmlns:r="http://schemas.openxmlformats.org/officeDocument/2006/relationships" xmlns:p="http://schemas.openxmlformats.org/presentationml/2006/main">
+  <p:cSld>
+    <p:bg>
+      <p:bgPr>
+        <a:blipFill rotWithShape="1">
+          <a:blip r:embed="rId2">
+            <a:duotone>
+              <a:schemeClr val="bg2">
+                <a:shade val="62000"/>
+                <a:hueMod val="108000"/>
+                <a:satMod val="164000"/>
+                <a:lumMod val="69000"/>
+              </a:schemeClr>
+              <a:schemeClr val="bg2">
+                <a:tint val="96000"/>
+                <a:hueMod val="90000"/>
+                <a:satMod val="130000"/>
+                <a:lumMod val="134000"/>
+              </a:schemeClr>
+            </a:duotone>
+            <a:extLst/>
+          </a:blip>
+          <a:stretch/>
+        </a:blipFill>
+        <a:effectLst/>
+      </p:bgPr>
+    </p:bg>
+    <p:spTree>
+      <p:nvGrpSpPr>
+        <p:cNvPr id="1" name=""/>
+        <p:cNvGrpSpPr/>
+        <p:nvPr/>
+      </p:nvGrpSpPr>
+      <p:grpSpPr>
+        <a:xfrm>
+          <a:off x="0" y="0"/>
+          <a:ext cx="0" cy="0"/>
+          <a:chOff x="0" y="0"/>
+          <a:chExt cx="0" cy="0"/>
+        </a:xfrm>
+      </p:grpSpPr>
+      <p:sp>
+        <p:nvSpPr>
+          <p:cNvPr id="2" name="Title 1">
+            <a:extLst>
+              <a:ext uri="{FF2B5EF4-FFF2-40B4-BE49-F238E27FC236}">
+                <a16:creationId xmlns:a16="http://schemas.microsoft.com/office/drawing/2014/main" id="{D443C54C-6DF9-CA4A-958E-308AAB870370}"/>
+              </a:ext>
+            </a:extLst>
+          </p:cNvPr>
+          <p:cNvSpPr>
+            <a:spLocks noGrp="1"/>
+          </p:cNvSpPr>
+          <p:nvPr>
+            <p:ph type="ctrTitle"/>
+          </p:nvPr>
+        </p:nvSpPr>
+        <p:spPr>
+          <a:xfrm>
+            <a:off x="647701" y="376518"/>
+            <a:ext cx="5463002" cy="960527"/>
+          </a:xfrm>
+        </p:spPr>
+        <p:txBody>
+          <a:bodyPr>
+            <a:normAutofit/>
+          </a:bodyPr>
+          <a:lstStyle/>
+          <a:p>
+            <a:r>
+              <a:rPr lang="en-US" sz="4200" dirty="0"/>
+              <a:t>Data Augmentation</a:t>
+            </a:r>
+          </a:p>
+        </p:txBody>
+      </p:sp>
+      <p:sp>
+        <p:nvSpPr>
+          <p:cNvPr id="3" name="Subtitle 2">
+            <a:extLst>
+              <a:ext uri="{FF2B5EF4-FFF2-40B4-BE49-F238E27FC236}">
+                <a16:creationId xmlns:a16="http://schemas.microsoft.com/office/drawing/2014/main" id="{CBB04ED8-73E4-FD41-843B-5F27AD032BF4}"/>
+              </a:ext>
+            </a:extLst>
+          </p:cNvPr>
+          <p:cNvSpPr>
+            <a:spLocks noGrp="1"/>
+          </p:cNvSpPr>
+          <p:nvPr>
+            <p:ph type="subTitle" idx="1"/>
+          </p:nvPr>
+        </p:nvSpPr>
+        <p:spPr>
+          <a:xfrm>
+            <a:off x="401807" y="1631577"/>
+            <a:ext cx="10721805" cy="4195482"/>
+          </a:xfrm>
+        </p:spPr>
+        <p:txBody>
+          <a:bodyPr>
+            <a:normAutofit/>
+          </a:bodyPr>
+          <a:lstStyle/>
+          <a:p>
+            <a:pPr marL="342900" indent="-342900">
+              <a:buClr>
+                <a:schemeClr val="tx1"/>
+              </a:buClr>
+              <a:buFont typeface="Arial" panose="020B0604020202020204" pitchFamily="34" charset="0"/>
+              <a:buChar char="•"/>
+            </a:pPr>
+            <a:r>
+              <a:rPr lang="en-US" sz="2400" cap="none" dirty="0">
+                <a:solidFill>
+                  <a:schemeClr val="tx1"/>
+                </a:solidFill>
+              </a:rPr>
+              <a:t>Yeast protein database was chosen</a:t>
+            </a:r>
+          </a:p>
+          <a:p>
+            <a:pPr>
+              <a:buClr>
+                <a:schemeClr val="tx1"/>
+              </a:buClr>
+            </a:pPr>
+            <a:endParaRPr lang="en-US" sz="2400" cap="none" dirty="0">
+              <a:solidFill>
+                <a:schemeClr val="tx1"/>
+              </a:solidFill>
+            </a:endParaRPr>
+          </a:p>
+          <a:p>
+            <a:pPr marL="342900" indent="-342900">
+              <a:buClr>
+                <a:schemeClr val="tx1"/>
+              </a:buClr>
+              <a:buFont typeface="Arial" panose="020B0604020202020204" pitchFamily="34" charset="0"/>
+              <a:buChar char="•"/>
+            </a:pPr>
+            <a:r>
+              <a:rPr lang="en-US" sz="2400" cap="none" dirty="0">
+                <a:solidFill>
+                  <a:schemeClr val="tx1"/>
+                </a:solidFill>
+              </a:rPr>
+              <a:t>Protein sequences broken into peptide sequences with protein labels</a:t>
+            </a:r>
+          </a:p>
+          <a:p>
+            <a:pPr>
+              <a:buClr>
+                <a:schemeClr val="tx1"/>
+              </a:buClr>
+            </a:pPr>
+            <a:endParaRPr lang="en-US" sz="2400" cap="none" dirty="0">
+              <a:solidFill>
+                <a:schemeClr val="tx1"/>
+              </a:solidFill>
+            </a:endParaRPr>
+          </a:p>
+          <a:p>
+            <a:pPr marL="342900" indent="-342900">
+              <a:buClr>
+                <a:schemeClr val="tx1"/>
+              </a:buClr>
+              <a:buFont typeface="Arial" panose="020B0604020202020204" pitchFamily="34" charset="0"/>
+              <a:buChar char="•"/>
+            </a:pPr>
+            <a:r>
+              <a:rPr lang="en-US" sz="2400" cap="none" dirty="0">
+                <a:solidFill>
+                  <a:schemeClr val="tx1"/>
+                </a:solidFill>
+              </a:rPr>
+              <a:t>Generate MS2 data for each peptide</a:t>
+            </a:r>
+          </a:p>
+          <a:p>
+            <a:pPr>
+              <a:buClr>
+                <a:schemeClr val="tx1"/>
+              </a:buClr>
+            </a:pPr>
+            <a:endParaRPr lang="en-US" sz="2400" cap="none" dirty="0">
+              <a:solidFill>
+                <a:schemeClr val="tx1"/>
+              </a:solidFill>
+            </a:endParaRPr>
+          </a:p>
+          <a:p>
+            <a:pPr>
+              <a:buClr>
+                <a:schemeClr val="tx1"/>
+              </a:buClr>
+            </a:pPr>
+            <a:r>
+              <a:rPr lang="en-US" sz="2200" cap="none" dirty="0">
+                <a:solidFill>
+                  <a:schemeClr val="tx1"/>
+                </a:solidFill>
+              </a:rPr>
+              <a:t>			</a:t>
+            </a:r>
+            <a:r>
+              <a:rPr lang="en-US" sz="2200" u="sng" cap="none" dirty="0">
+                <a:solidFill>
+                  <a:schemeClr val="tx1"/>
+                </a:solidFill>
+              </a:rPr>
+              <a:t>LABEL</a:t>
+            </a:r>
+            <a:r>
+              <a:rPr lang="en-US" sz="2200" cap="none" dirty="0">
+                <a:solidFill>
+                  <a:schemeClr val="tx1"/>
+                </a:solidFill>
+              </a:rPr>
+              <a:t>										</a:t>
+            </a:r>
+            <a:r>
+              <a:rPr lang="en-US" sz="2200" u="sng" cap="none" dirty="0">
+                <a:solidFill>
+                  <a:schemeClr val="tx1"/>
+                </a:solidFill>
+              </a:rPr>
+              <a:t>Theoretical MS2</a:t>
+            </a:r>
+          </a:p>
+          <a:p>
+            <a:pPr>
+              <a:buClr>
+                <a:schemeClr val="tx1"/>
+              </a:buClr>
+            </a:pPr>
+            <a:r>
+              <a:rPr lang="en-US" sz="2400" cap="none" dirty="0">
+                <a:solidFill>
+                  <a:schemeClr val="tx1"/>
+                </a:solidFill>
+              </a:rPr>
+              <a:t>	sp|P38149|DUG2_YEAST			“27,44,71,72,84,88,93,101,102, …”</a:t>
+            </a:r>
+          </a:p>
+        </p:txBody>
+      </p:sp>
+      <p:sp>
+        <p:nvSpPr>
+          <p:cNvPr id="9" name="Rectangle 8">
+            <a:extLst>
+              <a:ext uri="{FF2B5EF4-FFF2-40B4-BE49-F238E27FC236}">
+                <a16:creationId xmlns:a16="http://schemas.microsoft.com/office/drawing/2014/main" id="{C91B2AEB-9C03-4291-82DB-27D351F311F4}"/>
+              </a:ext>
+              <a:ext uri="{C183D7F6-B498-43B3-948B-1728B52AA6E4}">
+                <adec:decorative xmlns:adec="http://schemas.microsoft.com/office/drawing/2017/decorative" val="1"/>
+              </a:ext>
+            </a:extLst>
+          </p:cNvPr>
+          <p:cNvSpPr>
+            <a:spLocks noGrp="1" noRot="1" noChangeAspect="1" noMove="1" noResize="1" noEditPoints="1" noAdjustHandles="1" noChangeArrowheads="1" noChangeShapeType="1" noTextEdit="1"/>
+          </p:cNvSpPr>
+          <p:nvPr>
+            <p:extLst>
+              <p:ext uri="{386F3935-93C4-4BCD-93E2-E3B085C9AB24}">
+                <p16:designElem xmlns:p16="http://schemas.microsoft.com/office/powerpoint/2015/main" val="1"/>
+              </p:ext>
+            </p:extLst>
+          </p:nvPr>
+        </p:nvSpPr>
+        <p:spPr>
+          <a:xfrm>
+            <a:off x="10437812" y="0"/>
+            <a:ext cx="685800" cy="1143000"/>
+          </a:xfrm>
+          <a:prstGeom prst="rect">
+            <a:avLst/>
+          </a:prstGeom>
+          <a:solidFill>
+            <a:schemeClr val="accent1"/>
+          </a:solidFill>
+          <a:ln>
+            <a:noFill/>
+          </a:ln>
+        </p:spPr>
+        <p:style>
+          <a:lnRef idx="1">
+            <a:schemeClr val="accent1"/>
+          </a:lnRef>
+          <a:fillRef idx="3">
+            <a:schemeClr val="accent1"/>
+          </a:fillRef>
+          <a:effectRef idx="2">
+            <a:schemeClr val="accent1"/>
+          </a:effectRef>
+          <a:fontRef idx="minor">
+            <a:schemeClr val="lt1"/>
+          </a:fontRef>
+        </p:style>
+      </p:sp>
+    </p:spTree>
+    <p:extLst>
+      <p:ext uri="{BB962C8B-B14F-4D97-AF65-F5344CB8AC3E}">
+        <p14:creationId xmlns:p14="http://schemas.microsoft.com/office/powerpoint/2010/main" val="1865974118"/>
+      </p:ext>
+    </p:extLst>
+  </p:cSld>
+  <p:clrMapOvr>
+    <a:masterClrMapping/>
+  </p:clrMapOvr>
+</p:sld>
+</file>
+
+<file path=ppt/slides/slide4.xml><?xml version="1.0" encoding="utf-8"?>
+<p:sld xmlns:a="http://schemas.openxmlformats.org/drawingml/2006/main" xmlns:r="http://schemas.openxmlformats.org/officeDocument/2006/relationships" xmlns:p="http://schemas.openxmlformats.org/presentationml/2006/main">
+  <p:cSld>
+    <p:bg>
+      <p:bgPr>
+        <a:blipFill rotWithShape="1">
+          <a:blip r:embed="rId2">
+            <a:duotone>
+              <a:schemeClr val="bg2">
+                <a:shade val="62000"/>
+                <a:hueMod val="108000"/>
+                <a:satMod val="164000"/>
+                <a:lumMod val="69000"/>
+              </a:schemeClr>
+              <a:schemeClr val="bg2">
+                <a:tint val="96000"/>
+                <a:hueMod val="90000"/>
+                <a:satMod val="130000"/>
+                <a:lumMod val="134000"/>
+              </a:schemeClr>
+            </a:duotone>
+            <a:extLst/>
+          </a:blip>
+          <a:stretch/>
+        </a:blipFill>
+        <a:effectLst/>
+      </p:bgPr>
+    </p:bg>
+    <p:spTree>
+      <p:nvGrpSpPr>
+        <p:cNvPr id="1" name=""/>
+        <p:cNvGrpSpPr/>
+        <p:nvPr/>
+      </p:nvGrpSpPr>
+      <p:grpSpPr>
+        <a:xfrm>
+          <a:off x="0" y="0"/>
+          <a:ext cx="0" cy="0"/>
+          <a:chOff x="0" y="0"/>
+          <a:chExt cx="0" cy="0"/>
+        </a:xfrm>
+      </p:grpSpPr>
+      <p:sp>
+        <p:nvSpPr>
+          <p:cNvPr id="2" name="Title 1">
+            <a:extLst>
+              <a:ext uri="{FF2B5EF4-FFF2-40B4-BE49-F238E27FC236}">
+                <a16:creationId xmlns:a16="http://schemas.microsoft.com/office/drawing/2014/main" id="{D443C54C-6DF9-CA4A-958E-308AAB870370}"/>
+              </a:ext>
+            </a:extLst>
+          </p:cNvPr>
+          <p:cNvSpPr>
+            <a:spLocks noGrp="1"/>
+          </p:cNvSpPr>
+          <p:nvPr>
+            <p:ph type="ctrTitle"/>
+          </p:nvPr>
+        </p:nvSpPr>
+        <p:spPr>
+          <a:xfrm>
+            <a:off x="647701" y="376518"/>
+            <a:ext cx="3834652" cy="960527"/>
+          </a:xfrm>
+        </p:spPr>
+        <p:txBody>
+          <a:bodyPr>
+            <a:normAutofit/>
+          </a:bodyPr>
+          <a:lstStyle/>
+          <a:p>
+            <a:r>
+              <a:rPr lang="en-US" sz="4200" dirty="0"/>
+              <a:t>Embeddings</a:t>
+            </a:r>
+          </a:p>
+        </p:txBody>
+      </p:sp>
+      <p:sp>
+        <p:nvSpPr>
+          <p:cNvPr id="3" name="Subtitle 2">
+            <a:extLst>
+              <a:ext uri="{FF2B5EF4-FFF2-40B4-BE49-F238E27FC236}">
+                <a16:creationId xmlns:a16="http://schemas.microsoft.com/office/drawing/2014/main" id="{CBB04ED8-73E4-FD41-843B-5F27AD032BF4}"/>
+              </a:ext>
+            </a:extLst>
+          </p:cNvPr>
+          <p:cNvSpPr>
+            <a:spLocks noGrp="1"/>
+          </p:cNvSpPr>
+          <p:nvPr>
+            <p:ph type="subTitle" idx="1"/>
+          </p:nvPr>
+        </p:nvSpPr>
+        <p:spPr>
+          <a:xfrm>
+            <a:off x="401807" y="2154583"/>
+            <a:ext cx="5463005" cy="3672475"/>
+          </a:xfrm>
+        </p:spPr>
+        <p:txBody>
+          <a:bodyPr>
+            <a:normAutofit/>
+          </a:bodyPr>
+          <a:lstStyle/>
+          <a:p>
+            <a:pPr marL="342900" indent="-342900">
+              <a:buClr>
+                <a:schemeClr val="tx1"/>
+              </a:buClr>
+              <a:buFont typeface="Arial" panose="020B0604020202020204" pitchFamily="34" charset="0"/>
+              <a:buChar char="•"/>
+            </a:pPr>
+            <a:r>
+              <a:rPr lang="en-US" cap="none" dirty="0">
+                <a:solidFill>
+                  <a:schemeClr val="tx1"/>
+                </a:solidFill>
+              </a:rPr>
+              <a:t>Represent ”words” in a multi-dimensional space</a:t>
+            </a:r>
+          </a:p>
+          <a:p>
+            <a:pPr>
+              <a:buClr>
+                <a:schemeClr val="tx1"/>
+              </a:buClr>
+            </a:pPr>
+            <a:endParaRPr lang="en-US" cap="none" dirty="0">
+              <a:solidFill>
+                <a:schemeClr val="tx1"/>
+              </a:solidFill>
+            </a:endParaRPr>
+          </a:p>
+          <a:p>
+            <a:pPr marL="342900" indent="-342900">
+              <a:buClr>
+                <a:schemeClr val="tx1"/>
+              </a:buClr>
+              <a:buFont typeface="Arial" panose="020B0604020202020204" pitchFamily="34" charset="0"/>
+              <a:buChar char="•"/>
+            </a:pPr>
+            <a:r>
+              <a:rPr lang="en-US" cap="none" dirty="0">
+                <a:solidFill>
+                  <a:schemeClr val="tx1"/>
+                </a:solidFill>
+              </a:rPr>
+              <a:t>Similar words are grouped</a:t>
+            </a:r>
+          </a:p>
+          <a:p>
+            <a:pPr marL="342900" indent="-342900">
+              <a:buClr>
+                <a:schemeClr val="tx1"/>
+              </a:buClr>
+              <a:buFont typeface="Arial" panose="020B0604020202020204" pitchFamily="34" charset="0"/>
+              <a:buChar char="•"/>
+            </a:pPr>
+            <a:endParaRPr lang="en-US" cap="none" dirty="0">
+              <a:solidFill>
+                <a:schemeClr val="tx1"/>
+              </a:solidFill>
+            </a:endParaRPr>
+          </a:p>
+          <a:p>
+            <a:pPr marL="342900" indent="-342900">
+              <a:buClr>
+                <a:schemeClr val="tx1"/>
+              </a:buClr>
+              <a:buFont typeface="Arial" panose="020B0604020202020204" pitchFamily="34" charset="0"/>
+              <a:buChar char="•"/>
+            </a:pPr>
+            <a:r>
+              <a:rPr lang="en-US" cap="none" dirty="0">
+                <a:solidFill>
+                  <a:schemeClr val="tx1"/>
+                </a:solidFill>
+              </a:rPr>
+              <a:t>In text, ”king” and “queen” are often used similarly</a:t>
+            </a:r>
+          </a:p>
+          <a:p>
+            <a:pPr marL="342900" indent="-342900">
+              <a:buClr>
+                <a:schemeClr val="tx1"/>
+              </a:buClr>
+              <a:buFont typeface="Arial" panose="020B0604020202020204" pitchFamily="34" charset="0"/>
+              <a:buChar char="•"/>
+            </a:pPr>
+            <a:endParaRPr lang="en-US" cap="none" dirty="0">
+              <a:solidFill>
+                <a:schemeClr val="tx1"/>
+              </a:solidFill>
+            </a:endParaRPr>
+          </a:p>
+          <a:p>
+            <a:pPr marL="342900" indent="-342900">
+              <a:buClr>
+                <a:schemeClr val="tx1"/>
+              </a:buClr>
+              <a:buFont typeface="Arial" panose="020B0604020202020204" pitchFamily="34" charset="0"/>
+              <a:buChar char="•"/>
+            </a:pPr>
+            <a:r>
+              <a:rPr lang="en-US" cap="none" dirty="0">
+                <a:solidFill>
+                  <a:schemeClr val="tx1"/>
+                </a:solidFill>
+              </a:rPr>
+              <a:t>Input: “27,44,71,72,84,88,…”</a:t>
+            </a:r>
+          </a:p>
+        </p:txBody>
+      </p:sp>
+      <p:sp>
+        <p:nvSpPr>
+          <p:cNvPr id="9" name="Rectangle 8">
+            <a:extLst>
+              <a:ext uri="{FF2B5EF4-FFF2-40B4-BE49-F238E27FC236}">
+                <a16:creationId xmlns:a16="http://schemas.microsoft.com/office/drawing/2014/main" id="{C91B2AEB-9C03-4291-82DB-27D351F311F4}"/>
+              </a:ext>
+              <a:ext uri="{C183D7F6-B498-43B3-948B-1728B52AA6E4}">
+                <adec:decorative xmlns:adec="http://schemas.microsoft.com/office/drawing/2017/decorative" val="1"/>
+              </a:ext>
+            </a:extLst>
+          </p:cNvPr>
+          <p:cNvSpPr>
+            <a:spLocks noGrp="1" noRot="1" noChangeAspect="1" noMove="1" noResize="1" noEditPoints="1" noAdjustHandles="1" noChangeArrowheads="1" noChangeShapeType="1" noTextEdit="1"/>
+          </p:cNvSpPr>
+          <p:nvPr>
+            <p:extLst>
+              <p:ext uri="{386F3935-93C4-4BCD-93E2-E3B085C9AB24}">
+                <p16:designElem xmlns:p16="http://schemas.microsoft.com/office/powerpoint/2015/main" val="1"/>
+              </p:ext>
+            </p:extLst>
+          </p:nvPr>
+        </p:nvSpPr>
+        <p:spPr>
+          <a:xfrm>
+            <a:off x="10437812" y="0"/>
+            <a:ext cx="685800" cy="1143000"/>
+          </a:xfrm>
+          <a:prstGeom prst="rect">
+            <a:avLst/>
+          </a:prstGeom>
+          <a:solidFill>
+            <a:schemeClr val="accent1"/>
+          </a:solidFill>
+          <a:ln>
+            <a:noFill/>
+          </a:ln>
+        </p:spPr>
+        <p:style>
+          <a:lnRef idx="1">
+            <a:schemeClr val="accent1"/>
+          </a:lnRef>
+          <a:fillRef idx="3">
+            <a:schemeClr val="accent1"/>
+          </a:fillRef>
+          <a:effectRef idx="2">
+            <a:schemeClr val="accent1"/>
+          </a:effectRef>
+          <a:fontRef idx="minor">
+            <a:schemeClr val="lt1"/>
+          </a:fontRef>
+        </p:style>
+      </p:sp>
+      <p:pic>
+        <p:nvPicPr>
+          <p:cNvPr id="6" name="Picture 5">
+            <a:extLst>
+              <a:ext uri="{FF2B5EF4-FFF2-40B4-BE49-F238E27FC236}">
+                <a16:creationId xmlns:a16="http://schemas.microsoft.com/office/drawing/2014/main" id="{D4B6EDBC-565F-D049-BC4D-BF3633E28161}"/>
+              </a:ext>
+            </a:extLst>
+          </p:cNvPr>
+          <p:cNvPicPr/>
+          <p:nvPr/>
+        </p:nvPicPr>
+        <p:blipFill>
+          <a:blip r:embed="rId3">
+            <a:extLst>
+              <a:ext uri="{28A0092B-C50C-407E-A947-70E740481C1C}">
+                <a14:useLocalDpi xmlns:a14="http://schemas.microsoft.com/office/drawing/2010/main" val="0"/>
+              </a:ext>
+            </a:extLst>
+          </a:blip>
+          <a:srcRect/>
+          <a:stretch>
+            <a:fillRect/>
+          </a:stretch>
+        </p:blipFill>
+        <p:spPr bwMode="auto">
+          <a:xfrm>
+            <a:off x="6327190" y="1337045"/>
+            <a:ext cx="5463003" cy="4490013"/>
+          </a:xfrm>
+          <a:prstGeom prst="rect">
+            <a:avLst/>
+          </a:prstGeom>
+          <a:noFill/>
+          <a:ln>
+            <a:noFill/>
+          </a:ln>
+        </p:spPr>
+      </p:pic>
+    </p:spTree>
+    <p:extLst>
+      <p:ext uri="{BB962C8B-B14F-4D97-AF65-F5344CB8AC3E}">
+        <p14:creationId xmlns:p14="http://schemas.microsoft.com/office/powerpoint/2010/main" val="889486115"/>
+      </p:ext>
+    </p:extLst>
+  </p:cSld>
+  <p:clrMapOvr>
+    <a:masterClrMapping/>
+  </p:clrMapOvr>
+</p:sld>
+</file>
+
+<file path=ppt/slides/slide5.xml><?xml version="1.0" encoding="utf-8"?>
+<p:sld xmlns:a="http://schemas.openxmlformats.org/drawingml/2006/main" xmlns:r="http://schemas.openxmlformats.org/officeDocument/2006/relationships" xmlns:p="http://schemas.openxmlformats.org/presentationml/2006/main">
+  <p:cSld>
+    <p:bg>
+      <p:bgPr>
+        <a:blipFill rotWithShape="1">
+          <a:blip r:embed="rId2">
+            <a:duotone>
+              <a:schemeClr val="bg2">
+                <a:shade val="62000"/>
+                <a:hueMod val="108000"/>
+                <a:satMod val="164000"/>
+                <a:lumMod val="69000"/>
+              </a:schemeClr>
+              <a:schemeClr val="bg2">
+                <a:tint val="96000"/>
+                <a:hueMod val="90000"/>
+                <a:satMod val="130000"/>
+                <a:lumMod val="134000"/>
+              </a:schemeClr>
+            </a:duotone>
+            <a:extLst/>
+          </a:blip>
+          <a:stretch/>
+        </a:blipFill>
+        <a:effectLst/>
+      </p:bgPr>
+    </p:bg>
+    <p:spTree>
+      <p:nvGrpSpPr>
+        <p:cNvPr id="1" name=""/>
+        <p:cNvGrpSpPr/>
+        <p:nvPr/>
+      </p:nvGrpSpPr>
+      <p:grpSpPr>
+        <a:xfrm>
+          <a:off x="0" y="0"/>
+          <a:ext cx="0" cy="0"/>
+          <a:chOff x="0" y="0"/>
+          <a:chExt cx="0" cy="0"/>
+        </a:xfrm>
+      </p:grpSpPr>
+      <p:sp>
+        <p:nvSpPr>
+          <p:cNvPr id="2" name="Title 1">
+            <a:extLst>
+              <a:ext uri="{FF2B5EF4-FFF2-40B4-BE49-F238E27FC236}">
+                <a16:creationId xmlns:a16="http://schemas.microsoft.com/office/drawing/2014/main" id="{D443C54C-6DF9-CA4A-958E-308AAB870370}"/>
+              </a:ext>
+            </a:extLst>
+          </p:cNvPr>
+          <p:cNvSpPr>
+            <a:spLocks noGrp="1"/>
+          </p:cNvSpPr>
+          <p:nvPr>
+            <p:ph type="ctrTitle"/>
+          </p:nvPr>
+        </p:nvSpPr>
+        <p:spPr>
+          <a:xfrm>
+            <a:off x="647700" y="376518"/>
+            <a:ext cx="6488205" cy="960527"/>
+          </a:xfrm>
+        </p:spPr>
+        <p:txBody>
+          <a:bodyPr>
+            <a:normAutofit fontScale="90000"/>
+          </a:bodyPr>
+          <a:lstStyle/>
+          <a:p>
+            <a:r>
+              <a:rPr lang="en-US" sz="4200" dirty="0"/>
+              <a:t>Design 1: Dense Network</a:t>
+            </a:r>
+          </a:p>
+        </p:txBody>
+      </p:sp>
+      <p:sp>
+        <p:nvSpPr>
+          <p:cNvPr id="3" name="Subtitle 2">
+            <a:extLst>
+              <a:ext uri="{FF2B5EF4-FFF2-40B4-BE49-F238E27FC236}">
+                <a16:creationId xmlns:a16="http://schemas.microsoft.com/office/drawing/2014/main" id="{CBB04ED8-73E4-FD41-843B-5F27AD032BF4}"/>
+              </a:ext>
+            </a:extLst>
+          </p:cNvPr>
+          <p:cNvSpPr>
+            <a:spLocks noGrp="1"/>
+          </p:cNvSpPr>
+          <p:nvPr>
+            <p:ph type="subTitle" idx="1"/>
+          </p:nvPr>
+        </p:nvSpPr>
+        <p:spPr>
+          <a:xfrm>
+            <a:off x="401807" y="2154583"/>
+            <a:ext cx="5463005" cy="3672475"/>
+          </a:xfrm>
+        </p:spPr>
+        <p:txBody>
+          <a:bodyPr>
+            <a:normAutofit/>
+          </a:bodyPr>
+          <a:lstStyle/>
+          <a:p>
+            <a:pPr marL="342900" indent="-342900">
+              <a:buClr>
+                <a:schemeClr val="tx1"/>
+              </a:buClr>
+              <a:buFont typeface="Arial" panose="020B0604020202020204" pitchFamily="34" charset="0"/>
+              <a:buChar char="•"/>
+            </a:pPr>
+            <a:r>
+              <a:rPr lang="en-US" cap="none" dirty="0">
+                <a:solidFill>
+                  <a:schemeClr val="tx1"/>
+                </a:solidFill>
+              </a:rPr>
+              <a:t>Input Embedding layer</a:t>
+            </a:r>
+          </a:p>
+          <a:p>
+            <a:pPr marL="342900" indent="-342900">
+              <a:buClr>
+                <a:schemeClr val="tx1"/>
+              </a:buClr>
+              <a:buFont typeface="Arial" panose="020B0604020202020204" pitchFamily="34" charset="0"/>
+              <a:buChar char="•"/>
+            </a:pPr>
+            <a:endParaRPr lang="en-US" cap="none" dirty="0">
+              <a:solidFill>
+                <a:schemeClr val="tx1"/>
+              </a:solidFill>
+            </a:endParaRPr>
+          </a:p>
+          <a:p>
+            <a:pPr marL="342900" indent="-342900">
+              <a:buClr>
+                <a:schemeClr val="tx1"/>
+              </a:buClr>
+              <a:buFont typeface="Arial" panose="020B0604020202020204" pitchFamily="34" charset="0"/>
+              <a:buChar char="•"/>
+            </a:pPr>
+            <a:r>
+              <a:rPr lang="en-US" cap="none" dirty="0">
+                <a:solidFill>
+                  <a:schemeClr val="tx1"/>
+                </a:solidFill>
+              </a:rPr>
+              <a:t>Multiple densely connected layers</a:t>
+            </a:r>
+          </a:p>
+          <a:p>
+            <a:pPr marL="800100" lvl="1" indent="-342900" algn="l">
+              <a:buClr>
+                <a:schemeClr val="tx1"/>
+              </a:buClr>
+              <a:buFont typeface="Arial" panose="020B0604020202020204" pitchFamily="34" charset="0"/>
+              <a:buChar char="•"/>
+            </a:pPr>
+            <a:r>
+              <a:rPr lang="en-US" dirty="0">
+                <a:solidFill>
+                  <a:schemeClr val="tx1"/>
+                </a:solidFill>
+              </a:rPr>
+              <a:t>50 nodes – 5000 nodes</a:t>
+            </a:r>
+          </a:p>
+          <a:p>
+            <a:pPr lvl="1" algn="l">
+              <a:buClr>
+                <a:schemeClr val="tx1"/>
+              </a:buClr>
+            </a:pPr>
+            <a:endParaRPr lang="en-US" cap="none" dirty="0">
+              <a:solidFill>
+                <a:schemeClr val="tx1"/>
+              </a:solidFill>
+            </a:endParaRPr>
+          </a:p>
+          <a:p>
+            <a:pPr marL="342900" indent="-342900">
+              <a:buClr>
+                <a:schemeClr val="tx1"/>
+              </a:buClr>
+              <a:buFont typeface="Arial" panose="020B0604020202020204" pitchFamily="34" charset="0"/>
+              <a:buChar char="•"/>
+            </a:pPr>
+            <a:r>
+              <a:rPr lang="en-US" cap="none" dirty="0">
+                <a:solidFill>
+                  <a:schemeClr val="tx1"/>
+                </a:solidFill>
+              </a:rPr>
+              <a:t>Dense output layer</a:t>
+            </a:r>
+          </a:p>
+          <a:p>
+            <a:pPr marL="800100" lvl="1" indent="-342900" algn="l">
+              <a:buClr>
+                <a:schemeClr val="tx1"/>
+              </a:buClr>
+              <a:buFont typeface="Arial" panose="020B0604020202020204" pitchFamily="34" charset="0"/>
+              <a:buChar char="•"/>
+            </a:pPr>
+            <a:r>
+              <a:rPr lang="en-US" dirty="0">
+                <a:solidFill>
+                  <a:schemeClr val="tx1"/>
+                </a:solidFill>
+              </a:rPr>
+              <a:t>Each output neuron is protein label</a:t>
+            </a:r>
+            <a:endParaRPr lang="en-US" cap="none" dirty="0">
+              <a:solidFill>
+                <a:schemeClr val="tx1"/>
+              </a:solidFill>
+            </a:endParaRPr>
+          </a:p>
+        </p:txBody>
+      </p:sp>
+      <p:sp>
+        <p:nvSpPr>
+          <p:cNvPr id="9" name="Rectangle 8">
+            <a:extLst>
+              <a:ext uri="{FF2B5EF4-FFF2-40B4-BE49-F238E27FC236}">
+                <a16:creationId xmlns:a16="http://schemas.microsoft.com/office/drawing/2014/main" id="{C91B2AEB-9C03-4291-82DB-27D351F311F4}"/>
+              </a:ext>
+              <a:ext uri="{C183D7F6-B498-43B3-948B-1728B52AA6E4}">
+                <adec:decorative xmlns:adec="http://schemas.microsoft.com/office/drawing/2017/decorative" val="1"/>
+              </a:ext>
+            </a:extLst>
+          </p:cNvPr>
+          <p:cNvSpPr>
+            <a:spLocks noGrp="1" noRot="1" noChangeAspect="1" noMove="1" noResize="1" noEditPoints="1" noAdjustHandles="1" noChangeArrowheads="1" noChangeShapeType="1" noTextEdit="1"/>
+          </p:cNvSpPr>
+          <p:nvPr>
+            <p:extLst>
+              <p:ext uri="{386F3935-93C4-4BCD-93E2-E3B085C9AB24}">
+                <p16:designElem xmlns:p16="http://schemas.microsoft.com/office/powerpoint/2015/main" val="1"/>
+              </p:ext>
+            </p:extLst>
+          </p:nvPr>
+        </p:nvSpPr>
+        <p:spPr>
+          <a:xfrm>
+            <a:off x="10437812" y="0"/>
+            <a:ext cx="685800" cy="1143000"/>
+          </a:xfrm>
+          <a:prstGeom prst="rect">
+            <a:avLst/>
+          </a:prstGeom>
+          <a:solidFill>
+            <a:schemeClr val="accent1"/>
+          </a:solidFill>
+          <a:ln>
+            <a:noFill/>
+          </a:ln>
+        </p:spPr>
+        <p:style>
+          <a:lnRef idx="1">
+            <a:schemeClr val="accent1"/>
+          </a:lnRef>
+          <a:fillRef idx="3">
+            <a:schemeClr val="accent1"/>
+          </a:fillRef>
+          <a:effectRef idx="2">
+            <a:schemeClr val="accent1"/>
+          </a:effectRef>
+          <a:fontRef idx="minor">
+            <a:schemeClr val="lt1"/>
+          </a:fontRef>
+        </p:style>
+      </p:sp>
+      <p:pic>
+        <p:nvPicPr>
+          <p:cNvPr id="7" name="Picture 6">
+            <a:extLst>
+              <a:ext uri="{FF2B5EF4-FFF2-40B4-BE49-F238E27FC236}">
+                <a16:creationId xmlns:a16="http://schemas.microsoft.com/office/drawing/2014/main" id="{A17BC7EB-8ECF-3147-A96C-926DE316F630}"/>
+              </a:ext>
+            </a:extLst>
+          </p:cNvPr>
+          <p:cNvPicPr/>
+          <p:nvPr/>
+        </p:nvPicPr>
+        <p:blipFill rotWithShape="1">
+          <a:blip r:embed="rId3">
+            <a:extLst>
+              <a:ext uri="{28A0092B-C50C-407E-A947-70E740481C1C}">
+                <a14:useLocalDpi xmlns:a14="http://schemas.microsoft.com/office/drawing/2010/main" val="0"/>
+              </a:ext>
+            </a:extLst>
+          </a:blip>
+          <a:srcRect r="5586"/>
+          <a:stretch/>
+        </p:blipFill>
+        <p:spPr bwMode="auto">
+          <a:xfrm>
+            <a:off x="6980237" y="1936376"/>
+            <a:ext cx="4809956" cy="3890682"/>
+          </a:xfrm>
+          <a:prstGeom prst="rect">
+            <a:avLst/>
+          </a:prstGeom>
+          <a:solidFill>
+            <a:schemeClr val="tx1"/>
+          </a:solidFill>
+          <a:ln>
+            <a:noFill/>
+          </a:ln>
+          <a:extLst>
+            <a:ext uri="{53640926-AAD7-44D8-BBD7-CCE9431645EC}">
+              <a14:shadowObscured xmlns:a14="http://schemas.microsoft.com/office/drawing/2010/main"/>
+            </a:ext>
+          </a:extLst>
+        </p:spPr>
+      </p:pic>
+    </p:spTree>
+    <p:extLst>
+      <p:ext uri="{BB962C8B-B14F-4D97-AF65-F5344CB8AC3E}">
+        <p14:creationId xmlns:p14="http://schemas.microsoft.com/office/powerpoint/2010/main" val="2182019541"/>
+      </p:ext>
+    </p:extLst>
+  </p:cSld>
+  <p:clrMapOvr>
+    <a:masterClrMapping/>
+  </p:clrMapOvr>
+</p:sld>
+</file>
+
+<file path=ppt/slides/slide6.xml><?xml version="1.0" encoding="utf-8"?>
+<p:sld xmlns:a="http://schemas.openxmlformats.org/drawingml/2006/main" xmlns:r="http://schemas.openxmlformats.org/officeDocument/2006/relationships" xmlns:p="http://schemas.openxmlformats.org/presentationml/2006/main">
+  <p:cSld>
+    <p:bg>
+      <p:bgPr>
+        <a:blipFill rotWithShape="1">
+          <a:blip r:embed="rId2">
+            <a:duotone>
+              <a:schemeClr val="bg2">
+                <a:shade val="62000"/>
+                <a:hueMod val="108000"/>
+                <a:satMod val="164000"/>
+                <a:lumMod val="69000"/>
+              </a:schemeClr>
+              <a:schemeClr val="bg2">
+                <a:tint val="96000"/>
+                <a:hueMod val="90000"/>
+                <a:satMod val="130000"/>
+                <a:lumMod val="134000"/>
+              </a:schemeClr>
+            </a:duotone>
+            <a:extLst/>
+          </a:blip>
+          <a:stretch/>
+        </a:blipFill>
+        <a:effectLst/>
+      </p:bgPr>
+    </p:bg>
+    <p:spTree>
+      <p:nvGrpSpPr>
+        <p:cNvPr id="1" name=""/>
+        <p:cNvGrpSpPr/>
+        <p:nvPr/>
+      </p:nvGrpSpPr>
+      <p:grpSpPr>
+        <a:xfrm>
+          <a:off x="0" y="0"/>
+          <a:ext cx="0" cy="0"/>
+          <a:chOff x="0" y="0"/>
+          <a:chExt cx="0" cy="0"/>
+        </a:xfrm>
+      </p:grpSpPr>
+      <p:sp>
+        <p:nvSpPr>
+          <p:cNvPr id="2" name="Title 1">
+            <a:extLst>
+              <a:ext uri="{FF2B5EF4-FFF2-40B4-BE49-F238E27FC236}">
+                <a16:creationId xmlns:a16="http://schemas.microsoft.com/office/drawing/2014/main" id="{D443C54C-6DF9-CA4A-958E-308AAB870370}"/>
+              </a:ext>
+            </a:extLst>
+          </p:cNvPr>
+          <p:cNvSpPr>
+            <a:spLocks noGrp="1"/>
+          </p:cNvSpPr>
+          <p:nvPr>
+            <p:ph type="ctrTitle"/>
+          </p:nvPr>
+        </p:nvSpPr>
+        <p:spPr>
+          <a:xfrm>
+            <a:off x="647700" y="376518"/>
+            <a:ext cx="7886700" cy="960527"/>
+          </a:xfrm>
+        </p:spPr>
+        <p:txBody>
+          <a:bodyPr>
+            <a:normAutofit fontScale="90000"/>
+          </a:bodyPr>
+          <a:lstStyle/>
+          <a:p>
+            <a:r>
+              <a:rPr lang="en-US" sz="4200" dirty="0"/>
+              <a:t>Design 2: Convolutional Network</a:t>
+            </a:r>
+          </a:p>
+        </p:txBody>
+      </p:sp>
+      <p:sp>
+        <p:nvSpPr>
+          <p:cNvPr id="3" name="Subtitle 2">
+            <a:extLst>
+              <a:ext uri="{FF2B5EF4-FFF2-40B4-BE49-F238E27FC236}">
+                <a16:creationId xmlns:a16="http://schemas.microsoft.com/office/drawing/2014/main" id="{CBB04ED8-73E4-FD41-843B-5F27AD032BF4}"/>
+              </a:ext>
+            </a:extLst>
+          </p:cNvPr>
+          <p:cNvSpPr>
+            <a:spLocks noGrp="1"/>
+          </p:cNvSpPr>
+          <p:nvPr>
+            <p:ph type="subTitle" idx="1"/>
+          </p:nvPr>
+        </p:nvSpPr>
+        <p:spPr>
+          <a:xfrm>
+            <a:off x="401807" y="2154583"/>
+            <a:ext cx="5463005" cy="3672475"/>
+          </a:xfrm>
+        </p:spPr>
+        <p:txBody>
+          <a:bodyPr>
+            <a:normAutofit fontScale="92500" lnSpcReduction="20000"/>
+          </a:bodyPr>
+          <a:lstStyle/>
+          <a:p>
+            <a:pPr marL="342900" indent="-342900">
+              <a:buClr>
+                <a:schemeClr val="tx1"/>
+              </a:buClr>
+              <a:buFont typeface="Arial" panose="020B0604020202020204" pitchFamily="34" charset="0"/>
+              <a:buChar char="•"/>
+            </a:pPr>
+            <a:r>
+              <a:rPr lang="en-US" sz="1800" cap="none" dirty="0">
+                <a:solidFill>
+                  <a:schemeClr val="tx1"/>
+                </a:solidFill>
+              </a:rPr>
+              <a:t>Input Embedding layer</a:t>
+            </a:r>
+          </a:p>
+          <a:p>
+            <a:pPr marL="342900" indent="-342900">
+              <a:buClr>
+                <a:schemeClr val="tx1"/>
+              </a:buClr>
+              <a:buFont typeface="Arial" panose="020B0604020202020204" pitchFamily="34" charset="0"/>
+              <a:buChar char="•"/>
+            </a:pPr>
+            <a:endParaRPr lang="en-US" sz="1800" cap="none" dirty="0">
+              <a:solidFill>
+                <a:schemeClr val="tx1"/>
+              </a:solidFill>
+            </a:endParaRPr>
+          </a:p>
+          <a:p>
+            <a:pPr marL="342900" indent="-342900">
+              <a:buClr>
+                <a:schemeClr val="tx1"/>
+              </a:buClr>
+              <a:buFont typeface="Arial" panose="020B0604020202020204" pitchFamily="34" charset="0"/>
+              <a:buChar char="•"/>
+            </a:pPr>
+            <a:r>
+              <a:rPr lang="en-US" sz="1800" cap="none" dirty="0">
+                <a:solidFill>
+                  <a:schemeClr val="tx1"/>
+                </a:solidFill>
+              </a:rPr>
+              <a:t>Multiple convolutional 1D layers</a:t>
+            </a:r>
+          </a:p>
+          <a:p>
+            <a:pPr marL="800100" lvl="1" indent="-342900" algn="l">
+              <a:buClr>
+                <a:schemeClr val="tx1"/>
+              </a:buClr>
+              <a:buFont typeface="Arial" panose="020B0604020202020204" pitchFamily="34" charset="0"/>
+              <a:buChar char="•"/>
+            </a:pPr>
+            <a:r>
+              <a:rPr lang="en-US" sz="1600" dirty="0">
+                <a:solidFill>
+                  <a:schemeClr val="tx1"/>
+                </a:solidFill>
+              </a:rPr>
+              <a:t>Filters: 256</a:t>
+            </a:r>
+          </a:p>
+          <a:p>
+            <a:pPr marL="800100" lvl="1" indent="-342900" algn="l">
+              <a:buClr>
+                <a:schemeClr val="tx1"/>
+              </a:buClr>
+              <a:buFont typeface="Arial" panose="020B0604020202020204" pitchFamily="34" charset="0"/>
+              <a:buChar char="•"/>
+            </a:pPr>
+            <a:r>
+              <a:rPr lang="en-US" sz="1600" dirty="0">
+                <a:solidFill>
+                  <a:schemeClr val="tx1"/>
+                </a:solidFill>
+              </a:rPr>
+              <a:t>K</a:t>
+            </a:r>
+            <a:r>
+              <a:rPr lang="en-US" sz="1600" cap="none" dirty="0">
+                <a:solidFill>
+                  <a:schemeClr val="tx1"/>
+                </a:solidFill>
+              </a:rPr>
+              <a:t>ernel size: 8</a:t>
+            </a:r>
+          </a:p>
+          <a:p>
+            <a:pPr marL="342900" indent="-342900">
+              <a:buClr>
+                <a:schemeClr val="tx1"/>
+              </a:buClr>
+              <a:buFont typeface="Arial" panose="020B0604020202020204" pitchFamily="34" charset="0"/>
+              <a:buChar char="•"/>
+            </a:pPr>
+            <a:endParaRPr lang="en-US" sz="1800" cap="none" dirty="0">
+              <a:solidFill>
+                <a:schemeClr val="tx1"/>
+              </a:solidFill>
+            </a:endParaRPr>
+          </a:p>
+          <a:p>
+            <a:pPr marL="342900" indent="-342900">
+              <a:buClr>
+                <a:schemeClr val="tx1"/>
+              </a:buClr>
+              <a:buFont typeface="Arial" panose="020B0604020202020204" pitchFamily="34" charset="0"/>
+              <a:buChar char="•"/>
+            </a:pPr>
+            <a:r>
+              <a:rPr lang="en-US" sz="1800" cap="none" dirty="0">
+                <a:solidFill>
+                  <a:schemeClr val="tx1"/>
+                </a:solidFill>
+              </a:rPr>
+              <a:t>Pooling layer</a:t>
+            </a:r>
+          </a:p>
+          <a:p>
+            <a:pPr marL="800100" lvl="1" indent="-342900" algn="l">
+              <a:buClr>
+                <a:schemeClr val="tx1"/>
+              </a:buClr>
+              <a:buFont typeface="Arial" panose="020B0604020202020204" pitchFamily="34" charset="0"/>
+              <a:buChar char="•"/>
+            </a:pPr>
+            <a:r>
+              <a:rPr lang="en-US" sz="1600" cap="none" dirty="0">
+                <a:solidFill>
+                  <a:schemeClr val="tx1"/>
+                </a:solidFill>
+              </a:rPr>
+              <a:t>Pooling size: 2</a:t>
+            </a:r>
+          </a:p>
+          <a:p>
+            <a:pPr marL="342900" indent="-342900">
+              <a:buClr>
+                <a:schemeClr val="tx1"/>
+              </a:buClr>
+              <a:buFont typeface="Arial" panose="020B0604020202020204" pitchFamily="34" charset="0"/>
+              <a:buChar char="•"/>
+            </a:pPr>
+            <a:endParaRPr lang="en-US" sz="1800" cap="none" dirty="0">
+              <a:solidFill>
+                <a:schemeClr val="tx1"/>
+              </a:solidFill>
+            </a:endParaRPr>
+          </a:p>
+          <a:p>
+            <a:pPr marL="342900" indent="-342900">
+              <a:buClr>
+                <a:schemeClr val="tx1"/>
+              </a:buClr>
+              <a:buFont typeface="Arial" panose="020B0604020202020204" pitchFamily="34" charset="0"/>
+              <a:buChar char="•"/>
+            </a:pPr>
+            <a:r>
+              <a:rPr lang="en-US" sz="1800" cap="none" dirty="0">
+                <a:solidFill>
+                  <a:schemeClr val="tx1"/>
+                </a:solidFill>
+              </a:rPr>
+              <a:t>Dense output layer</a:t>
+            </a:r>
+          </a:p>
+          <a:p>
+            <a:pPr marL="800100" lvl="1" indent="-342900" algn="l">
+              <a:buClr>
+                <a:schemeClr val="tx1"/>
+              </a:buClr>
+              <a:buFont typeface="Arial" panose="020B0604020202020204" pitchFamily="34" charset="0"/>
+              <a:buChar char="•"/>
+            </a:pPr>
+            <a:r>
+              <a:rPr lang="en-US" sz="1600" dirty="0">
+                <a:solidFill>
+                  <a:schemeClr val="tx1"/>
+                </a:solidFill>
+              </a:rPr>
+              <a:t>Each output neuron is protein label</a:t>
+            </a:r>
+            <a:endParaRPr lang="en-US" sz="1600" cap="none" dirty="0">
+              <a:solidFill>
+                <a:schemeClr val="tx1"/>
+              </a:solidFill>
+            </a:endParaRPr>
+          </a:p>
+        </p:txBody>
+      </p:sp>
+      <p:sp>
+        <p:nvSpPr>
+          <p:cNvPr id="9" name="Rectangle 8">
+            <a:extLst>
+              <a:ext uri="{FF2B5EF4-FFF2-40B4-BE49-F238E27FC236}">
+                <a16:creationId xmlns:a16="http://schemas.microsoft.com/office/drawing/2014/main" id="{C91B2AEB-9C03-4291-82DB-27D351F311F4}"/>
+              </a:ext>
+              <a:ext uri="{C183D7F6-B498-43B3-948B-1728B52AA6E4}">
+                <adec:decorative xmlns:adec="http://schemas.microsoft.com/office/drawing/2017/decorative" val="1"/>
+              </a:ext>
+            </a:extLst>
+          </p:cNvPr>
+          <p:cNvSpPr>
+            <a:spLocks noGrp="1" noRot="1" noChangeAspect="1" noMove="1" noResize="1" noEditPoints="1" noAdjustHandles="1" noChangeArrowheads="1" noChangeShapeType="1" noTextEdit="1"/>
+          </p:cNvSpPr>
+          <p:nvPr>
+            <p:extLst>
+              <p:ext uri="{386F3935-93C4-4BCD-93E2-E3B085C9AB24}">
+                <p16:designElem xmlns:p16="http://schemas.microsoft.com/office/powerpoint/2015/main" val="1"/>
+              </p:ext>
+            </p:extLst>
+          </p:nvPr>
+        </p:nvSpPr>
+        <p:spPr>
+          <a:xfrm>
+            <a:off x="10437812" y="0"/>
+            <a:ext cx="685800" cy="1143000"/>
+          </a:xfrm>
+          <a:prstGeom prst="rect">
+            <a:avLst/>
+          </a:prstGeom>
+          <a:solidFill>
+            <a:schemeClr val="accent1"/>
+          </a:solidFill>
+          <a:ln>
+            <a:noFill/>
+          </a:ln>
+        </p:spPr>
+        <p:style>
+          <a:lnRef idx="1">
+            <a:schemeClr val="accent1"/>
+          </a:lnRef>
+          <a:fillRef idx="3">
+            <a:schemeClr val="accent1"/>
+          </a:fillRef>
+          <a:effectRef idx="2">
+            <a:schemeClr val="accent1"/>
+          </a:effectRef>
+          <a:fontRef idx="minor">
+            <a:schemeClr val="lt1"/>
+          </a:fontRef>
+        </p:style>
+      </p:sp>
+      <p:pic>
+        <p:nvPicPr>
+          <p:cNvPr id="6" name="Picture 5" descr="Image result for convolutional neural network">
+            <a:extLst>
+              <a:ext uri="{FF2B5EF4-FFF2-40B4-BE49-F238E27FC236}">
+                <a16:creationId xmlns:a16="http://schemas.microsoft.com/office/drawing/2014/main" id="{4F35F2A6-E862-2144-9690-D85C7D4D3253}"/>
+              </a:ext>
+            </a:extLst>
+          </p:cNvPr>
+          <p:cNvPicPr/>
+          <p:nvPr/>
+        </p:nvPicPr>
+        <p:blipFill>
+          <a:blip r:embed="rId3" cstate="print">
+            <a:extLst>
+              <a:ext uri="{28A0092B-C50C-407E-A947-70E740481C1C}">
+                <a14:useLocalDpi xmlns:a14="http://schemas.microsoft.com/office/drawing/2010/main" val="0"/>
+              </a:ext>
+            </a:extLst>
+          </a:blip>
+          <a:srcRect/>
+          <a:stretch>
+            <a:fillRect/>
+          </a:stretch>
+        </p:blipFill>
+        <p:spPr bwMode="auto">
+          <a:xfrm>
+            <a:off x="5723179" y="2154583"/>
+            <a:ext cx="6458268" cy="2740399"/>
+          </a:xfrm>
+          <a:prstGeom prst="rect">
+            <a:avLst/>
+          </a:prstGeom>
+          <a:noFill/>
+          <a:ln>
+            <a:noFill/>
+          </a:ln>
+        </p:spPr>
+      </p:pic>
+    </p:spTree>
+    <p:extLst>
+      <p:ext uri="{BB962C8B-B14F-4D97-AF65-F5344CB8AC3E}">
+        <p14:creationId xmlns:p14="http://schemas.microsoft.com/office/powerpoint/2010/main" val="3201810475"/>
+      </p:ext>
+    </p:extLst>
+  </p:cSld>
+  <p:clrMapOvr>
+    <a:masterClrMapping/>
+  </p:clrMapOvr>
+</p:sld>
+</file>
+
+<file path=ppt/slides/slide7.xml><?xml version="1.0" encoding="utf-8"?>
+<p:sld xmlns:a="http://schemas.openxmlformats.org/drawingml/2006/main" xmlns:r="http://schemas.openxmlformats.org/officeDocument/2006/relationships" xmlns:p="http://schemas.openxmlformats.org/presentationml/2006/main">
+  <p:cSld>
+    <p:bg>
+      <p:bgPr>
+        <a:blipFill rotWithShape="1">
+          <a:blip r:embed="rId2">
+            <a:duotone>
+              <a:schemeClr val="bg2">
+                <a:shade val="62000"/>
+                <a:hueMod val="108000"/>
+                <a:satMod val="164000"/>
+                <a:lumMod val="69000"/>
+              </a:schemeClr>
+              <a:schemeClr val="bg2">
+                <a:tint val="96000"/>
+                <a:hueMod val="90000"/>
+                <a:satMod val="130000"/>
+                <a:lumMod val="134000"/>
+              </a:schemeClr>
+            </a:duotone>
+            <a:extLst/>
+          </a:blip>
+          <a:stretch/>
+        </a:blipFill>
+        <a:effectLst/>
+      </p:bgPr>
+    </p:bg>
+    <p:spTree>
+      <p:nvGrpSpPr>
+        <p:cNvPr id="1" name=""/>
+        <p:cNvGrpSpPr/>
+        <p:nvPr/>
+      </p:nvGrpSpPr>
+      <p:grpSpPr>
+        <a:xfrm>
+          <a:off x="0" y="0"/>
+          <a:ext cx="0" cy="0"/>
+          <a:chOff x="0" y="0"/>
+          <a:chExt cx="0" cy="0"/>
+        </a:xfrm>
+      </p:grpSpPr>
+      <p:sp>
+        <p:nvSpPr>
+          <p:cNvPr id="2" name="Title 1">
+            <a:extLst>
+              <a:ext uri="{FF2B5EF4-FFF2-40B4-BE49-F238E27FC236}">
+                <a16:creationId xmlns:a16="http://schemas.microsoft.com/office/drawing/2014/main" id="{D443C54C-6DF9-CA4A-958E-308AAB870370}"/>
+              </a:ext>
+            </a:extLst>
+          </p:cNvPr>
+          <p:cNvSpPr>
+            <a:spLocks noGrp="1"/>
+          </p:cNvSpPr>
+          <p:nvPr>
+            <p:ph type="ctrTitle"/>
+          </p:nvPr>
+        </p:nvSpPr>
+        <p:spPr>
+          <a:xfrm>
+            <a:off x="647700" y="376518"/>
+            <a:ext cx="7886700" cy="960527"/>
+          </a:xfrm>
+        </p:spPr>
+        <p:txBody>
+          <a:bodyPr>
+            <a:normAutofit/>
+          </a:bodyPr>
+          <a:lstStyle/>
+          <a:p>
+            <a:r>
+              <a:rPr lang="en-US" sz="4200" dirty="0"/>
+              <a:t>Results</a:t>
+            </a:r>
+          </a:p>
+        </p:txBody>
+      </p:sp>
+      <p:sp>
+        <p:nvSpPr>
+          <p:cNvPr id="3" name="Subtitle 2">
+            <a:extLst>
+              <a:ext uri="{FF2B5EF4-FFF2-40B4-BE49-F238E27FC236}">
+                <a16:creationId xmlns:a16="http://schemas.microsoft.com/office/drawing/2014/main" id="{CBB04ED8-73E4-FD41-843B-5F27AD032BF4}"/>
+              </a:ext>
+            </a:extLst>
+          </p:cNvPr>
+          <p:cNvSpPr>
+            <a:spLocks noGrp="1"/>
+          </p:cNvSpPr>
+          <p:nvPr>
+            <p:ph type="subTitle" idx="1"/>
+          </p:nvPr>
+        </p:nvSpPr>
+        <p:spPr>
+          <a:xfrm>
+            <a:off x="401807" y="2154583"/>
+            <a:ext cx="5463005" cy="3672475"/>
+          </a:xfrm>
+        </p:spPr>
+        <p:txBody>
+          <a:bodyPr>
+            <a:normAutofit/>
+          </a:bodyPr>
+          <a:lstStyle/>
+          <a:p>
+            <a:pPr marL="342900" indent="-342900">
+              <a:buClr>
+                <a:schemeClr val="tx1"/>
+              </a:buClr>
+              <a:buFont typeface="Arial" panose="020B0604020202020204" pitchFamily="34" charset="0"/>
+              <a:buChar char="•"/>
+            </a:pPr>
+            <a:r>
+              <a:rPr lang="en-US" sz="1800" cap="none" dirty="0">
+                <a:solidFill>
+                  <a:schemeClr val="tx1"/>
+                </a:solidFill>
+              </a:rPr>
+              <a:t>Convolutional 1D network worked the best</a:t>
+            </a:r>
+          </a:p>
+          <a:p>
+            <a:pPr marL="342900" indent="-342900">
+              <a:buClr>
+                <a:schemeClr val="tx1"/>
+              </a:buClr>
+              <a:buFont typeface="Arial" panose="020B0604020202020204" pitchFamily="34" charset="0"/>
+              <a:buChar char="•"/>
+            </a:pPr>
+            <a:endParaRPr lang="en-US" sz="1800" cap="none" dirty="0">
+              <a:solidFill>
+                <a:schemeClr val="tx1"/>
+              </a:solidFill>
+            </a:endParaRPr>
+          </a:p>
+          <a:p>
+            <a:pPr marL="342900" indent="-342900">
+              <a:buClr>
+                <a:schemeClr val="tx1"/>
+              </a:buClr>
+              <a:buFont typeface="Arial" panose="020B0604020202020204" pitchFamily="34" charset="0"/>
+              <a:buChar char="•"/>
+            </a:pPr>
+            <a:r>
+              <a:rPr lang="en-US" sz="1800" cap="none" dirty="0">
+                <a:solidFill>
+                  <a:schemeClr val="tx1"/>
+                </a:solidFill>
+              </a:rPr>
+              <a:t>Dense network had higher learning capacity</a:t>
+            </a:r>
+          </a:p>
+          <a:p>
+            <a:pPr marL="800100" lvl="1" indent="-342900" algn="l">
+              <a:buClr>
+                <a:schemeClr val="tx1"/>
+              </a:buClr>
+              <a:buFont typeface="Arial" panose="020B0604020202020204" pitchFamily="34" charset="0"/>
+              <a:buChar char="•"/>
+            </a:pPr>
+            <a:r>
+              <a:rPr lang="en-US" sz="1600" dirty="0">
+                <a:solidFill>
+                  <a:schemeClr val="tx1"/>
+                </a:solidFill>
+              </a:rPr>
+              <a:t>Slower learning rate</a:t>
+            </a:r>
+          </a:p>
+          <a:p>
+            <a:pPr lvl="1" algn="l">
+              <a:buClr>
+                <a:schemeClr val="tx1"/>
+              </a:buClr>
+            </a:pPr>
+            <a:endParaRPr lang="en-US" sz="1600" dirty="0">
+              <a:solidFill>
+                <a:schemeClr val="tx1"/>
+              </a:solidFill>
+            </a:endParaRPr>
+          </a:p>
+          <a:p>
+            <a:pPr marL="342900" indent="-342900">
+              <a:buClr>
+                <a:schemeClr val="tx1"/>
+              </a:buClr>
+              <a:buFont typeface="Arial" panose="020B0604020202020204" pitchFamily="34" charset="0"/>
+              <a:buChar char="•"/>
+            </a:pPr>
+            <a:r>
+              <a:rPr lang="en-US" sz="1800" cap="none" dirty="0">
+                <a:solidFill>
+                  <a:schemeClr val="tx1"/>
+                </a:solidFill>
+              </a:rPr>
+              <a:t>With MS2 test data, %30 accuracy for predicted protein label</a:t>
+            </a:r>
+          </a:p>
+          <a:p>
+            <a:pPr marL="342900" indent="-342900">
+              <a:buClr>
+                <a:schemeClr val="tx1"/>
+              </a:buClr>
+              <a:buFont typeface="Arial" panose="020B0604020202020204" pitchFamily="34" charset="0"/>
+              <a:buChar char="•"/>
+            </a:pPr>
+            <a:endParaRPr lang="en-US" sz="1600" cap="none" dirty="0">
+              <a:solidFill>
+                <a:schemeClr val="tx1"/>
+              </a:solidFill>
+            </a:endParaRPr>
+          </a:p>
+        </p:txBody>
+      </p:sp>
+      <p:sp>
+        <p:nvSpPr>
+          <p:cNvPr id="9" name="Rectangle 8">
+            <a:extLst>
+              <a:ext uri="{FF2B5EF4-FFF2-40B4-BE49-F238E27FC236}">
+                <a16:creationId xmlns:a16="http://schemas.microsoft.com/office/drawing/2014/main" id="{C91B2AEB-9C03-4291-82DB-27D351F311F4}"/>
+              </a:ext>
+              <a:ext uri="{C183D7F6-B498-43B3-948B-1728B52AA6E4}">
+                <adec:decorative xmlns:adec="http://schemas.microsoft.com/office/drawing/2017/decorative" val="1"/>
+              </a:ext>
+            </a:extLst>
+          </p:cNvPr>
+          <p:cNvSpPr>
+            <a:spLocks noGrp="1" noRot="1" noChangeAspect="1" noMove="1" noResize="1" noEditPoints="1" noAdjustHandles="1" noChangeArrowheads="1" noChangeShapeType="1" noTextEdit="1"/>
+          </p:cNvSpPr>
+          <p:nvPr>
+            <p:extLst>
+              <p:ext uri="{386F3935-93C4-4BCD-93E2-E3B085C9AB24}">
+                <p16:designElem xmlns:p16="http://schemas.microsoft.com/office/powerpoint/2015/main" val="1"/>
+              </p:ext>
+            </p:extLst>
+          </p:nvPr>
+        </p:nvSpPr>
+        <p:spPr>
+          <a:xfrm>
+            <a:off x="10437812" y="0"/>
+            <a:ext cx="685800" cy="1143000"/>
+          </a:xfrm>
+          <a:prstGeom prst="rect">
+            <a:avLst/>
+          </a:prstGeom>
+          <a:solidFill>
+            <a:schemeClr val="accent1"/>
+          </a:solidFill>
+          <a:ln>
+            <a:noFill/>
+          </a:ln>
+        </p:spPr>
+        <p:style>
+          <a:lnRef idx="1">
+            <a:schemeClr val="accent1"/>
+          </a:lnRef>
+          <a:fillRef idx="3">
+            <a:schemeClr val="accent1"/>
+          </a:fillRef>
+          <a:effectRef idx="2">
+            <a:schemeClr val="accent1"/>
+          </a:effectRef>
+          <a:fontRef idx="minor">
+            <a:schemeClr val="lt1"/>
+          </a:fontRef>
+        </p:style>
+      </p:sp>
+      <p:pic>
+        <p:nvPicPr>
+          <p:cNvPr id="6" name="Picture 5" descr="Image result for convolutional neural network">
+            <a:extLst>
+              <a:ext uri="{FF2B5EF4-FFF2-40B4-BE49-F238E27FC236}">
+                <a16:creationId xmlns:a16="http://schemas.microsoft.com/office/drawing/2014/main" id="{4F35F2A6-E862-2144-9690-D85C7D4D3253}"/>
+              </a:ext>
+            </a:extLst>
+          </p:cNvPr>
+          <p:cNvPicPr/>
+          <p:nvPr/>
+        </p:nvPicPr>
+        <p:blipFill>
+          <a:blip r:embed="rId3" cstate="print">
+            <a:extLst>
+              <a:ext uri="{28A0092B-C50C-407E-A947-70E740481C1C}">
+                <a14:useLocalDpi xmlns:a14="http://schemas.microsoft.com/office/drawing/2010/main" val="0"/>
+              </a:ext>
+            </a:extLst>
+          </a:blip>
+          <a:srcRect/>
+          <a:stretch>
+            <a:fillRect/>
+          </a:stretch>
+        </p:blipFill>
+        <p:spPr bwMode="auto">
+          <a:xfrm>
+            <a:off x="5723179" y="2154583"/>
+            <a:ext cx="6458268" cy="2740399"/>
+          </a:xfrm>
+          <a:prstGeom prst="rect">
+            <a:avLst/>
+          </a:prstGeom>
+          <a:noFill/>
+          <a:ln>
+            <a:noFill/>
+          </a:ln>
+        </p:spPr>
+      </p:pic>
+    </p:spTree>
+    <p:extLst>
+      <p:ext uri="{BB962C8B-B14F-4D97-AF65-F5344CB8AC3E}">
+        <p14:creationId xmlns:p14="http://schemas.microsoft.com/office/powerpoint/2010/main" val="2039570990"/>
+      </p:ext>
+    </p:extLst>
+  </p:cSld>
+  <p:clrMapOvr>
+    <a:masterClrMapping/>
+  </p:clrMapOvr>
+</p:sld>
+</file>
+
+<file path=ppt/slides/slide8.xml><?xml version="1.0" encoding="utf-8"?>
+<p:sld xmlns:a="http://schemas.openxmlformats.org/drawingml/2006/main" xmlns:r="http://schemas.openxmlformats.org/officeDocument/2006/relationships" xmlns:p="http://schemas.openxmlformats.org/presentationml/2006/main">
+  <p:cSld>
+    <p:bg>
+      <p:bgPr>
+        <a:blipFill rotWithShape="1">
+          <a:blip r:embed="rId2">
+            <a:duotone>
+              <a:schemeClr val="bg2">
+                <a:shade val="62000"/>
+                <a:hueMod val="108000"/>
+                <a:satMod val="164000"/>
+                <a:lumMod val="69000"/>
+              </a:schemeClr>
+              <a:schemeClr val="bg2">
+                <a:tint val="96000"/>
+                <a:hueMod val="90000"/>
+                <a:satMod val="130000"/>
+                <a:lumMod val="134000"/>
+              </a:schemeClr>
+            </a:duotone>
+            <a:extLst/>
+          </a:blip>
+          <a:stretch/>
+        </a:blipFill>
+        <a:effectLst/>
+      </p:bgPr>
+    </p:bg>
+    <p:spTree>
+      <p:nvGrpSpPr>
+        <p:cNvPr id="1" name=""/>
+        <p:cNvGrpSpPr/>
+        <p:nvPr/>
+      </p:nvGrpSpPr>
+      <p:grpSpPr>
+        <a:xfrm>
+          <a:off x="0" y="0"/>
+          <a:ext cx="0" cy="0"/>
+          <a:chOff x="0" y="0"/>
+          <a:chExt cx="0" cy="0"/>
+        </a:xfrm>
+      </p:grpSpPr>
+      <p:sp>
+        <p:nvSpPr>
+          <p:cNvPr id="2" name="Title 1">
+            <a:extLst>
+              <a:ext uri="{FF2B5EF4-FFF2-40B4-BE49-F238E27FC236}">
+                <a16:creationId xmlns:a16="http://schemas.microsoft.com/office/drawing/2014/main" id="{D443C54C-6DF9-CA4A-958E-308AAB870370}"/>
+              </a:ext>
+            </a:extLst>
+          </p:cNvPr>
+          <p:cNvSpPr>
+            <a:spLocks noGrp="1"/>
+          </p:cNvSpPr>
+          <p:nvPr>
+            <p:ph type="ctrTitle"/>
+          </p:nvPr>
+        </p:nvSpPr>
+        <p:spPr>
+          <a:xfrm>
+            <a:off x="647700" y="376518"/>
+            <a:ext cx="7886700" cy="960527"/>
+          </a:xfrm>
+        </p:spPr>
+        <p:txBody>
+          <a:bodyPr>
+            <a:normAutofit/>
+          </a:bodyPr>
+          <a:lstStyle/>
+          <a:p>
+            <a:r>
+              <a:rPr lang="en-US" sz="4200" dirty="0"/>
+              <a:t>Future Research</a:t>
+            </a:r>
+          </a:p>
+        </p:txBody>
+      </p:sp>
+      <p:sp>
+        <p:nvSpPr>
+          <p:cNvPr id="3" name="Subtitle 2">
+            <a:extLst>
+              <a:ext uri="{FF2B5EF4-FFF2-40B4-BE49-F238E27FC236}">
+                <a16:creationId xmlns:a16="http://schemas.microsoft.com/office/drawing/2014/main" id="{CBB04ED8-73E4-FD41-843B-5F27AD032BF4}"/>
+              </a:ext>
+            </a:extLst>
+          </p:cNvPr>
+          <p:cNvSpPr>
+            <a:spLocks noGrp="1"/>
+          </p:cNvSpPr>
+          <p:nvPr>
+            <p:ph type="subTitle" idx="1"/>
+          </p:nvPr>
+        </p:nvSpPr>
+        <p:spPr>
+          <a:xfrm>
+            <a:off x="401807" y="2154583"/>
+            <a:ext cx="11343725" cy="3672475"/>
+          </a:xfrm>
+        </p:spPr>
+        <p:txBody>
+          <a:bodyPr>
+            <a:normAutofit/>
+          </a:bodyPr>
+          <a:lstStyle/>
+          <a:p>
+            <a:pPr marL="342900" indent="-342900">
+              <a:buClr>
+                <a:schemeClr val="tx1"/>
+              </a:buClr>
+              <a:buFont typeface="Arial" panose="020B0604020202020204" pitchFamily="34" charset="0"/>
+              <a:buChar char="•"/>
+            </a:pPr>
+            <a:r>
+              <a:rPr lang="en-US" sz="2400" cap="none" dirty="0">
+                <a:solidFill>
+                  <a:schemeClr val="tx1"/>
+                </a:solidFill>
+              </a:rPr>
+              <a:t>Train with larger data sets</a:t>
+            </a:r>
+          </a:p>
+          <a:p>
+            <a:pPr marL="800100" lvl="1" indent="-342900" algn="l">
+              <a:buClr>
+                <a:schemeClr val="tx1"/>
+              </a:buClr>
+              <a:buFont typeface="Arial" panose="020B0604020202020204" pitchFamily="34" charset="0"/>
+              <a:buChar char="•"/>
+            </a:pPr>
+            <a:r>
+              <a:rPr lang="en-US" sz="2000" dirty="0">
+                <a:solidFill>
+                  <a:schemeClr val="tx1"/>
+                </a:solidFill>
+              </a:rPr>
+              <a:t>2.7 million peptides were generated from the yeast database</a:t>
+            </a:r>
+          </a:p>
+          <a:p>
+            <a:pPr lvl="1" algn="l">
+              <a:buClr>
+                <a:schemeClr val="tx1"/>
+              </a:buClr>
+            </a:pPr>
+            <a:endParaRPr lang="en-US" sz="2000" dirty="0">
+              <a:solidFill>
+                <a:schemeClr val="tx1"/>
+              </a:solidFill>
+            </a:endParaRPr>
+          </a:p>
+          <a:p>
+            <a:pPr marL="342900" indent="-342900">
+              <a:buClr>
+                <a:schemeClr val="tx1"/>
+              </a:buClr>
+              <a:buFont typeface="Arial" panose="020B0604020202020204" pitchFamily="34" charset="0"/>
+              <a:buChar char="•"/>
+            </a:pPr>
+            <a:r>
+              <a:rPr lang="en-US" sz="2400" cap="none" dirty="0">
+                <a:solidFill>
+                  <a:schemeClr val="tx1"/>
+                </a:solidFill>
+              </a:rPr>
+              <a:t>Increase convolutional layers</a:t>
+            </a:r>
+          </a:p>
+          <a:p>
+            <a:pPr marL="342900" indent="-342900">
+              <a:buClr>
+                <a:schemeClr val="tx1"/>
+              </a:buClr>
+              <a:buFont typeface="Arial" panose="020B0604020202020204" pitchFamily="34" charset="0"/>
+              <a:buChar char="•"/>
+            </a:pPr>
+            <a:endParaRPr lang="en-US" sz="2400" cap="none" dirty="0">
+              <a:solidFill>
+                <a:schemeClr val="tx1"/>
+              </a:solidFill>
+            </a:endParaRPr>
+          </a:p>
+          <a:p>
+            <a:pPr marL="342900" indent="-342900">
+              <a:buClr>
+                <a:schemeClr val="tx1"/>
+              </a:buClr>
+              <a:buFont typeface="Arial" panose="020B0604020202020204" pitchFamily="34" charset="0"/>
+              <a:buChar char="•"/>
+            </a:pPr>
+            <a:r>
+              <a:rPr lang="en-US" sz="2400" cap="none" dirty="0">
+                <a:solidFill>
+                  <a:schemeClr val="tx1"/>
+                </a:solidFill>
+              </a:rPr>
+              <a:t>Add noise to training data</a:t>
+            </a:r>
+          </a:p>
+          <a:p>
+            <a:pPr marL="342900" indent="-342900">
+              <a:buClr>
+                <a:schemeClr val="tx1"/>
+              </a:buClr>
+              <a:buFont typeface="Arial" panose="020B0604020202020204" pitchFamily="34" charset="0"/>
+              <a:buChar char="•"/>
+            </a:pPr>
+            <a:endParaRPr lang="en-US" cap="none" dirty="0">
+              <a:solidFill>
+                <a:schemeClr val="tx1"/>
+              </a:solidFill>
+            </a:endParaRPr>
+          </a:p>
+          <a:p>
+            <a:pPr marL="342900" indent="-342900">
+              <a:buClr>
+                <a:schemeClr val="tx1"/>
+              </a:buClr>
+              <a:buFont typeface="Arial" panose="020B0604020202020204" pitchFamily="34" charset="0"/>
+              <a:buChar char="•"/>
+            </a:pPr>
+            <a:r>
+              <a:rPr lang="en-US" cap="none" dirty="0">
+                <a:solidFill>
+                  <a:schemeClr val="tx1"/>
+                </a:solidFill>
+              </a:rPr>
+              <a:t>Train for more epochs</a:t>
+            </a:r>
+            <a:endParaRPr lang="en-US" sz="2400" cap="none" dirty="0">
+              <a:solidFill>
+                <a:schemeClr val="tx1"/>
+              </a:solidFill>
+            </a:endParaRPr>
+          </a:p>
+        </p:txBody>
+      </p:sp>
+      <p:sp>
+        <p:nvSpPr>
+          <p:cNvPr id="9" name="Rectangle 8">
+            <a:extLst>
+              <a:ext uri="{FF2B5EF4-FFF2-40B4-BE49-F238E27FC236}">
+                <a16:creationId xmlns:a16="http://schemas.microsoft.com/office/drawing/2014/main" id="{C91B2AEB-9C03-4291-82DB-27D351F311F4}"/>
+              </a:ext>
+              <a:ext uri="{C183D7F6-B498-43B3-948B-1728B52AA6E4}">
+                <adec:decorative xmlns:adec="http://schemas.microsoft.com/office/drawing/2017/decorative" val="1"/>
+              </a:ext>
+            </a:extLst>
+          </p:cNvPr>
+          <p:cNvSpPr>
+            <a:spLocks noGrp="1" noRot="1" noChangeAspect="1" noMove="1" noResize="1" noEditPoints="1" noAdjustHandles="1" noChangeArrowheads="1" noChangeShapeType="1" noTextEdit="1"/>
+          </p:cNvSpPr>
+          <p:nvPr>
+            <p:extLst>
+              <p:ext uri="{386F3935-93C4-4BCD-93E2-E3B085C9AB24}">
+                <p16:designElem xmlns:p16="http://schemas.microsoft.com/office/powerpoint/2015/main" val="1"/>
+              </p:ext>
+            </p:extLst>
+          </p:nvPr>
+        </p:nvSpPr>
+        <p:spPr>
+          <a:xfrm>
+            <a:off x="10437812" y="0"/>
+            <a:ext cx="685800" cy="1143000"/>
+          </a:xfrm>
+          <a:prstGeom prst="rect">
+            <a:avLst/>
+          </a:prstGeom>
+          <a:solidFill>
+            <a:schemeClr val="accent1"/>
+          </a:solidFill>
+          <a:ln>
+            <a:noFill/>
+          </a:ln>
+        </p:spPr>
+        <p:style>
+          <a:lnRef idx="1">
+            <a:schemeClr val="accent1"/>
+          </a:lnRef>
+          <a:fillRef idx="3">
+            <a:schemeClr val="accent1"/>
+          </a:fillRef>
+          <a:effectRef idx="2">
+            <a:schemeClr val="accent1"/>
+          </a:effectRef>
+          <a:fontRef idx="minor">
+            <a:schemeClr val="lt1"/>
+          </a:fontRef>
+        </p:style>
+      </p:sp>
+    </p:spTree>
+    <p:extLst>
+      <p:ext uri="{BB962C8B-B14F-4D97-AF65-F5344CB8AC3E}">
+        <p14:creationId xmlns:p14="http://schemas.microsoft.com/office/powerpoint/2010/main" val="586712507"/>
+      </p:ext>
+    </p:extLst>
+  </p:cSld>
+  <p:clrMapOvr>
+    <a:masterClrMapping/>
+  </p:clrMapOvr>
+</p:sld>
+</file>
+
+<file path=ppt/slides/slide9.xml><?xml version="1.0" encoding="utf-8"?>
+<p:sld xmlns:a="http://schemas.openxmlformats.org/drawingml/2006/main" xmlns:r="http://schemas.openxmlformats.org/officeDocument/2006/relationships" xmlns:p="http://schemas.openxmlformats.org/presentationml/2006/main">
+  <p:cSld>
+    <p:spTree>
+      <p:nvGrpSpPr>
+        <p:cNvPr id="1" name=""/>
+        <p:cNvGrpSpPr/>
+        <p:nvPr/>
+      </p:nvGrpSpPr>
+      <p:grpSpPr>
+        <a:xfrm>
+          <a:off x="0" y="0"/>
+          <a:ext cx="0" cy="0"/>
+          <a:chOff x="0" y="0"/>
+          <a:chExt cx="0" cy="0"/>
+        </a:xfrm>
+      </p:grpSpPr>
+      <p:sp>
+        <p:nvSpPr>
+          <p:cNvPr id="2" name="Title 1">
+            <a:extLst>
+              <a:ext uri="{FF2B5EF4-FFF2-40B4-BE49-F238E27FC236}">
+                <a16:creationId xmlns:a16="http://schemas.microsoft.com/office/drawing/2014/main" id="{D443C54C-6DF9-CA4A-958E-308AAB870370}"/>
+              </a:ext>
+            </a:extLst>
+          </p:cNvPr>
+          <p:cNvSpPr>
+            <a:spLocks noGrp="1"/>
+          </p:cNvSpPr>
+          <p:nvPr>
+            <p:ph type="ctrTitle"/>
+          </p:nvPr>
+        </p:nvSpPr>
+        <p:spPr>
+          <a:xfrm>
+            <a:off x="1683171" y="1169773"/>
+            <a:ext cx="8825658" cy="2870161"/>
+          </a:xfrm>
+        </p:spPr>
+        <p:txBody>
+          <a:bodyPr anchor="b">
+            <a:normAutofit fontScale="90000"/>
+          </a:bodyPr>
+          <a:lstStyle/>
+          <a:p>
+            <a:pPr algn="ctr"/>
+            <a:r>
+              <a:rPr lang="en-US" dirty="0"/>
+              <a:t>Mass Spectrum Protein Matching with Neural Networks</a:t>
+            </a:r>
+          </a:p>
+        </p:txBody>
+      </p:sp>
+      <p:sp>
+        <p:nvSpPr>
+          <p:cNvPr id="3" name="Subtitle 2">
+            <a:extLst>
+              <a:ext uri="{FF2B5EF4-FFF2-40B4-BE49-F238E27FC236}">
+                <a16:creationId xmlns:a16="http://schemas.microsoft.com/office/drawing/2014/main" id="{CBB04ED8-73E4-FD41-843B-5F27AD032BF4}"/>
+              </a:ext>
+            </a:extLst>
+          </p:cNvPr>
+          <p:cNvSpPr>
+            <a:spLocks noGrp="1"/>
+          </p:cNvSpPr>
+          <p:nvPr>
+            <p:ph type="subTitle" idx="1"/>
+          </p:nvPr>
+        </p:nvSpPr>
+        <p:spPr>
+          <a:xfrm>
+            <a:off x="1683171" y="4293441"/>
+            <a:ext cx="8825658" cy="1234148"/>
+          </a:xfrm>
+        </p:spPr>
+        <p:txBody>
+          <a:bodyPr>
+            <a:normAutofit/>
+          </a:bodyPr>
+          <a:lstStyle/>
+          <a:p>
+            <a:pPr algn="ctr"/>
+            <a:r>
+              <a:rPr lang="en-US" sz="2000" cap="none" dirty="0">
+                <a:solidFill>
+                  <a:schemeClr val="tx1"/>
+                </a:solidFill>
+              </a:rPr>
+              <a:t>Matt Peter</a:t>
+            </a:r>
+          </a:p>
+          <a:p>
+            <a:pPr algn="ctr"/>
+            <a:r>
+              <a:rPr lang="en-US" sz="2000" cap="none" dirty="0">
+                <a:solidFill>
+                  <a:schemeClr val="tx1"/>
+                </a:solidFill>
+              </a:rPr>
+              <a:t>Jonah </a:t>
+            </a:r>
+            <a:r>
+              <a:rPr lang="en-US" sz="2000" cap="none" dirty="0" err="1">
+                <a:solidFill>
+                  <a:schemeClr val="tx1"/>
+                </a:solidFill>
+              </a:rPr>
+              <a:t>Kubath</a:t>
+            </a:r>
+            <a:endParaRPr lang="en-US" sz="2000" cap="none" dirty="0">
+              <a:solidFill>
+                <a:schemeClr val="tx1"/>
+              </a:solidFill>
+            </a:endParaRPr>
+          </a:p>
+        </p:txBody>
+      </p:sp>
+    </p:spTree>
+    <p:extLst>
+      <p:ext uri="{BB962C8B-B14F-4D97-AF65-F5344CB8AC3E}">
+        <p14:creationId xmlns:p14="http://schemas.microsoft.com/office/powerpoint/2010/main" val="481313425"/>
+      </p:ext>
+    </p:extLst>
+  </p:cSld>
+  <p:clrMapOvr>
+    <a:masterClrMapping/>
+  </p:clrMapOvr>
+</p:sld>
+</file>
+
 <file path=ppt/theme/theme1.xml><?xml version="1.0" encoding="utf-8"?>
 <a:theme xmlns:a="http://schemas.openxmlformats.org/drawingml/2006/main" name="Ion">
   <a:themeElements>

--- a/Group7.pptx
+++ b/Group7.pptx
@@ -6662,7 +6662,7 @@
                   <a:schemeClr val="tx1"/>
                 </a:solidFill>
               </a:rPr>
-              <a:t>			</a:t>
+              <a:t>				</a:t>
             </a:r>
             <a:r>
               <a:rPr lang="en-US" sz="2200" u="sng" cap="none" dirty="0">
@@ -6678,7 +6678,7 @@
                   <a:schemeClr val="tx1"/>
                 </a:solidFill>
               </a:rPr>
-              <a:t>										</a:t>
+              <a:t>									</a:t>
             </a:r>
             <a:r>
               <a:rPr lang="en-US" sz="2200" u="sng" cap="none" dirty="0">
@@ -6873,7 +6873,7 @@
         </p:spPr>
         <p:txBody>
           <a:bodyPr>
-            <a:normAutofit/>
+            <a:normAutofit fontScale="92500" lnSpcReduction="10000"/>
           </a:bodyPr>
           <a:lstStyle/>
           <a:p>
@@ -6885,7 +6885,7 @@
               <a:buChar char="•"/>
             </a:pPr>
             <a:r>
-              <a:rPr lang="en-US" cap="none" dirty="0">
+              <a:rPr lang="en-US" sz="2400" cap="none" dirty="0">
                 <a:solidFill>
                   <a:schemeClr val="tx1"/>
                 </a:solidFill>
@@ -6899,7 +6899,7 @@
                 <a:schemeClr val="tx1"/>
               </a:buClr>
             </a:pPr>
-            <a:endParaRPr lang="en-US" cap="none" dirty="0">
+            <a:endParaRPr lang="en-US" sz="2400" cap="none" dirty="0">
               <a:solidFill>
                 <a:schemeClr val="tx1"/>
               </a:solidFill>
@@ -6914,7 +6914,7 @@
               <a:buChar char="•"/>
             </a:pPr>
             <a:r>
-              <a:rPr lang="en-US" cap="none" dirty="0">
+              <a:rPr lang="en-US" sz="2400" cap="none" dirty="0">
                 <a:solidFill>
                   <a:schemeClr val="tx1"/>
                 </a:solidFill>
@@ -6930,7 +6930,7 @@
               <a:buFont typeface="Arial" panose="020B0604020202020204" pitchFamily="34" charset="0"/>
               <a:buChar char="•"/>
             </a:pPr>
-            <a:endParaRPr lang="en-US" cap="none" dirty="0">
+            <a:endParaRPr lang="en-US" sz="2400" cap="none" dirty="0">
               <a:solidFill>
                 <a:schemeClr val="tx1"/>
               </a:solidFill>
@@ -6945,7 +6945,7 @@
               <a:buChar char="•"/>
             </a:pPr>
             <a:r>
-              <a:rPr lang="en-US" cap="none" dirty="0">
+              <a:rPr lang="en-US" sz="2400" cap="none" dirty="0">
                 <a:solidFill>
                   <a:schemeClr val="tx1"/>
                 </a:solidFill>
@@ -6961,7 +6961,7 @@
               <a:buFont typeface="Arial" panose="020B0604020202020204" pitchFamily="34" charset="0"/>
               <a:buChar char="•"/>
             </a:pPr>
-            <a:endParaRPr lang="en-US" cap="none" dirty="0">
+            <a:endParaRPr lang="en-US" sz="2400" cap="none" dirty="0">
               <a:solidFill>
                 <a:schemeClr val="tx1"/>
               </a:solidFill>
@@ -6976,7 +6976,7 @@
               <a:buChar char="•"/>
             </a:pPr>
             <a:r>
-              <a:rPr lang="en-US" cap="none" dirty="0">
+              <a:rPr lang="en-US" sz="2400" cap="none" dirty="0">
                 <a:solidFill>
                   <a:schemeClr val="tx1"/>
                 </a:solidFill>
@@ -7187,12 +7187,12 @@
         <p:spPr>
           <a:xfrm>
             <a:off x="401807" y="2154583"/>
-            <a:ext cx="5463005" cy="3672475"/>
+            <a:ext cx="6320965" cy="3672475"/>
           </a:xfrm>
         </p:spPr>
         <p:txBody>
           <a:bodyPr>
-            <a:normAutofit/>
+            <a:normAutofit fontScale="92500"/>
           </a:bodyPr>
           <a:lstStyle/>
           <a:p>
@@ -7204,7 +7204,7 @@
               <a:buChar char="•"/>
             </a:pPr>
             <a:r>
-              <a:rPr lang="en-US" cap="none" dirty="0">
+              <a:rPr lang="en-US" sz="2800" cap="none" dirty="0">
                 <a:solidFill>
                   <a:schemeClr val="tx1"/>
                 </a:solidFill>
@@ -7220,7 +7220,7 @@
               <a:buFont typeface="Arial" panose="020B0604020202020204" pitchFamily="34" charset="0"/>
               <a:buChar char="•"/>
             </a:pPr>
-            <a:endParaRPr lang="en-US" cap="none" dirty="0">
+            <a:endParaRPr lang="en-US" sz="2800" cap="none" dirty="0">
               <a:solidFill>
                 <a:schemeClr val="tx1"/>
               </a:solidFill>
@@ -7235,7 +7235,7 @@
               <a:buChar char="•"/>
             </a:pPr>
             <a:r>
-              <a:rPr lang="en-US" cap="none" dirty="0">
+              <a:rPr lang="en-US" sz="2800" cap="none" dirty="0">
                 <a:solidFill>
                   <a:schemeClr val="tx1"/>
                 </a:solidFill>
@@ -7252,7 +7252,7 @@
               <a:buChar char="•"/>
             </a:pPr>
             <a:r>
-              <a:rPr lang="en-US" dirty="0">
+              <a:rPr lang="en-US" sz="2400" dirty="0">
                 <a:solidFill>
                   <a:schemeClr val="tx1"/>
                 </a:solidFill>
@@ -7266,7 +7266,7 @@
                 <a:schemeClr val="tx1"/>
               </a:buClr>
             </a:pPr>
-            <a:endParaRPr lang="en-US" cap="none" dirty="0">
+            <a:endParaRPr lang="en-US" sz="2400" cap="none" dirty="0">
               <a:solidFill>
                 <a:schemeClr val="tx1"/>
               </a:solidFill>
@@ -7281,7 +7281,7 @@
               <a:buChar char="•"/>
             </a:pPr>
             <a:r>
-              <a:rPr lang="en-US" cap="none" dirty="0">
+              <a:rPr lang="en-US" sz="2800" cap="none" dirty="0">
                 <a:solidFill>
                   <a:schemeClr val="tx1"/>
                 </a:solidFill>
@@ -7298,14 +7298,14 @@
               <a:buChar char="•"/>
             </a:pPr>
             <a:r>
-              <a:rPr lang="en-US" dirty="0">
+              <a:rPr lang="en-US" sz="2400" dirty="0">
                 <a:solidFill>
                   <a:schemeClr val="tx1"/>
                 </a:solidFill>
               </a:rPr>
               <a:t>Each output neuron is protein label</a:t>
             </a:r>
-            <a:endParaRPr lang="en-US" cap="none" dirty="0">
+            <a:endParaRPr lang="en-US" sz="2400" cap="none" dirty="0">
               <a:solidFill>
                 <a:schemeClr val="tx1"/>
               </a:solidFill>
@@ -7519,7 +7519,7 @@
         <p:spPr>
           <a:xfrm>
             <a:off x="401807" y="2154583"/>
-            <a:ext cx="5463005" cy="3672475"/>
+            <a:ext cx="5463005" cy="4326899"/>
           </a:xfrm>
         </p:spPr>
         <p:txBody>
@@ -7536,7 +7536,7 @@
               <a:buChar char="•"/>
             </a:pPr>
             <a:r>
-              <a:rPr lang="en-US" sz="1800" cap="none" dirty="0">
+              <a:rPr lang="en-US" sz="2400" cap="none" dirty="0">
                 <a:solidFill>
                   <a:schemeClr val="tx1"/>
                 </a:solidFill>
@@ -7552,7 +7552,7 @@
               <a:buFont typeface="Arial" panose="020B0604020202020204" pitchFamily="34" charset="0"/>
               <a:buChar char="•"/>
             </a:pPr>
-            <a:endParaRPr lang="en-US" sz="1800" cap="none" dirty="0">
+            <a:endParaRPr lang="en-US" sz="2400" cap="none" dirty="0">
               <a:solidFill>
                 <a:schemeClr val="tx1"/>
               </a:solidFill>
@@ -7567,7 +7567,7 @@
               <a:buChar char="•"/>
             </a:pPr>
             <a:r>
-              <a:rPr lang="en-US" sz="1800" cap="none" dirty="0">
+              <a:rPr lang="en-US" sz="2400" cap="none" dirty="0">
                 <a:solidFill>
                   <a:schemeClr val="tx1"/>
                 </a:solidFill>
@@ -7584,7 +7584,7 @@
               <a:buChar char="•"/>
             </a:pPr>
             <a:r>
-              <a:rPr lang="en-US" sz="1600" dirty="0">
+              <a:rPr lang="en-US" sz="2000" dirty="0">
                 <a:solidFill>
                   <a:schemeClr val="tx1"/>
                 </a:solidFill>
@@ -7601,7 +7601,7 @@
               <a:buChar char="•"/>
             </a:pPr>
             <a:r>
-              <a:rPr lang="en-US" sz="1600" dirty="0">
+              <a:rPr lang="en-US" sz="2000" dirty="0">
                 <a:solidFill>
                   <a:schemeClr val="tx1"/>
                 </a:solidFill>
@@ -7609,7 +7609,7 @@
               <a:t>K</a:t>
             </a:r>
             <a:r>
-              <a:rPr lang="en-US" sz="1600" cap="none" dirty="0">
+              <a:rPr lang="en-US" sz="2000" cap="none" dirty="0">
                 <a:solidFill>
                   <a:schemeClr val="tx1"/>
                 </a:solidFill>
@@ -7625,7 +7625,7 @@
               <a:buFont typeface="Arial" panose="020B0604020202020204" pitchFamily="34" charset="0"/>
               <a:buChar char="•"/>
             </a:pPr>
-            <a:endParaRPr lang="en-US" sz="1800" cap="none" dirty="0">
+            <a:endParaRPr lang="en-US" sz="2400" cap="none" dirty="0">
               <a:solidFill>
                 <a:schemeClr val="tx1"/>
               </a:solidFill>
@@ -7640,7 +7640,7 @@
               <a:buChar char="•"/>
             </a:pPr>
             <a:r>
-              <a:rPr lang="en-US" sz="1800" cap="none" dirty="0">
+              <a:rPr lang="en-US" sz="2400" cap="none" dirty="0">
                 <a:solidFill>
                   <a:schemeClr val="tx1"/>
                 </a:solidFill>
@@ -7657,7 +7657,7 @@
               <a:buChar char="•"/>
             </a:pPr>
             <a:r>
-              <a:rPr lang="en-US" sz="1600" cap="none" dirty="0">
+              <a:rPr lang="en-US" sz="2000" cap="none" dirty="0">
                 <a:solidFill>
                   <a:schemeClr val="tx1"/>
                 </a:solidFill>
@@ -7673,7 +7673,7 @@
               <a:buFont typeface="Arial" panose="020B0604020202020204" pitchFamily="34" charset="0"/>
               <a:buChar char="•"/>
             </a:pPr>
-            <a:endParaRPr lang="en-US" sz="1800" cap="none" dirty="0">
+            <a:endParaRPr lang="en-US" sz="2400" cap="none" dirty="0">
               <a:solidFill>
                 <a:schemeClr val="tx1"/>
               </a:solidFill>
@@ -7688,7 +7688,7 @@
               <a:buChar char="•"/>
             </a:pPr>
             <a:r>
-              <a:rPr lang="en-US" sz="1800" cap="none" dirty="0">
+              <a:rPr lang="en-US" sz="2400" cap="none" dirty="0">
                 <a:solidFill>
                   <a:schemeClr val="tx1"/>
                 </a:solidFill>
@@ -7705,14 +7705,14 @@
               <a:buChar char="•"/>
             </a:pPr>
             <a:r>
-              <a:rPr lang="en-US" sz="1600" dirty="0">
+              <a:rPr lang="en-US" sz="2000" dirty="0">
                 <a:solidFill>
                   <a:schemeClr val="tx1"/>
                 </a:solidFill>
               </a:rPr>
               <a:t>Each output neuron is protein label</a:t>
             </a:r>
-            <a:endParaRPr lang="en-US" sz="1600" cap="none" dirty="0">
+            <a:endParaRPr lang="en-US" sz="2000" cap="none" dirty="0">
               <a:solidFill>
                 <a:schemeClr val="tx1"/>
               </a:solidFill>
@@ -8245,7 +8245,7 @@
         </p:spPr>
         <p:txBody>
           <a:bodyPr>
-            <a:normAutofit/>
+            <a:normAutofit lnSpcReduction="10000"/>
           </a:bodyPr>
           <a:lstStyle/>
           <a:p>
@@ -8274,7 +8274,7 @@
               <a:buChar char="•"/>
             </a:pPr>
             <a:r>
-              <a:rPr lang="en-US" sz="2000" dirty="0">
+              <a:rPr lang="en-US" sz="2400" dirty="0">
                 <a:solidFill>
                   <a:schemeClr val="tx1"/>
                 </a:solidFill>
@@ -8288,7 +8288,7 @@
                 <a:schemeClr val="tx1"/>
               </a:buClr>
             </a:pPr>
-            <a:endParaRPr lang="en-US" sz="2000" dirty="0">
+            <a:endParaRPr lang="en-US" sz="2400" dirty="0">
               <a:solidFill>
                 <a:schemeClr val="tx1"/>
               </a:solidFill>
@@ -8350,7 +8350,7 @@
               <a:buFont typeface="Arial" panose="020B0604020202020204" pitchFamily="34" charset="0"/>
               <a:buChar char="•"/>
             </a:pPr>
-            <a:endParaRPr lang="en-US" cap="none" dirty="0">
+            <a:endParaRPr lang="en-US" sz="2400" cap="none" dirty="0">
               <a:solidFill>
                 <a:schemeClr val="tx1"/>
               </a:solidFill>
@@ -8365,18 +8365,13 @@
               <a:buChar char="•"/>
             </a:pPr>
             <a:r>
-              <a:rPr lang="en-US" cap="none" dirty="0">
+              <a:rPr lang="en-US" sz="2400" cap="none" dirty="0">
                 <a:solidFill>
                   <a:schemeClr val="tx1"/>
                 </a:solidFill>
               </a:rPr>
               <a:t>Train for more epochs</a:t>
             </a:r>
-            <a:endParaRPr lang="en-US" sz="2400" cap="none" dirty="0">
-              <a:solidFill>
-                <a:schemeClr val="tx1"/>
-              </a:solidFill>
-            </a:endParaRPr>
           </a:p>
         </p:txBody>
       </p:sp>

--- a/Group7.pptx
+++ b/Group7.pptx
@@ -12,8 +12,9 @@
     <p:sldId id="262" r:id="rId6"/>
     <p:sldId id="263" r:id="rId7"/>
     <p:sldId id="264" r:id="rId8"/>
-    <p:sldId id="265" r:id="rId9"/>
-    <p:sldId id="266" r:id="rId10"/>
+    <p:sldId id="267" r:id="rId9"/>
+    <p:sldId id="265" r:id="rId10"/>
+    <p:sldId id="266" r:id="rId11"/>
   </p:sldIdLst>
   <p:sldSz cx="12192000" cy="6858000"/>
   <p:notesSz cx="6858000" cy="9144000"/>
@@ -303,7 +304,7 @@
           <a:p>
             <a:fld id="{1413064E-06D1-CA46-8C36-21FA595EAC52}" type="datetimeFigureOut">
               <a:rPr lang="en-US" smtClean="0"/>
-              <a:t>4/6/19</a:t>
+              <a:t>4/8/2019</a:t>
             </a:fld>
             <a:endParaRPr lang="en-US"/>
           </a:p>
@@ -578,7 +579,7 @@
           <a:p>
             <a:fld id="{1413064E-06D1-CA46-8C36-21FA595EAC52}" type="datetimeFigureOut">
               <a:rPr lang="en-US" smtClean="0"/>
-              <a:t>4/6/19</a:t>
+              <a:t>4/8/2019</a:t>
             </a:fld>
             <a:endParaRPr lang="en-US"/>
           </a:p>
@@ -772,7 +773,7 @@
           <a:p>
             <a:fld id="{1413064E-06D1-CA46-8C36-21FA595EAC52}" type="datetimeFigureOut">
               <a:rPr lang="en-US" smtClean="0"/>
-              <a:t>4/6/19</a:t>
+              <a:t>4/8/2019</a:t>
             </a:fld>
             <a:endParaRPr lang="en-US"/>
           </a:p>
@@ -1040,7 +1041,7 @@
           <a:p>
             <a:fld id="{1413064E-06D1-CA46-8C36-21FA595EAC52}" type="datetimeFigureOut">
               <a:rPr lang="en-US" smtClean="0"/>
-              <a:t>4/6/19</a:t>
+              <a:t>4/8/2019</a:t>
             </a:fld>
             <a:endParaRPr lang="en-US"/>
           </a:p>
@@ -1372,7 +1373,7 @@
           <a:p>
             <a:fld id="{1413064E-06D1-CA46-8C36-21FA595EAC52}" type="datetimeFigureOut">
               <a:rPr lang="en-US" smtClean="0"/>
-              <a:t>4/6/19</a:t>
+              <a:t>4/8/2019</a:t>
             </a:fld>
             <a:endParaRPr lang="en-US"/>
           </a:p>
@@ -1982,7 +1983,7 @@
           <a:p>
             <a:fld id="{1413064E-06D1-CA46-8C36-21FA595EAC52}" type="datetimeFigureOut">
               <a:rPr lang="en-US" smtClean="0"/>
-              <a:t>4/6/19</a:t>
+              <a:t>4/8/2019</a:t>
             </a:fld>
             <a:endParaRPr lang="en-US"/>
           </a:p>
@@ -2829,7 +2830,7 @@
           <a:p>
             <a:fld id="{1413064E-06D1-CA46-8C36-21FA595EAC52}" type="datetimeFigureOut">
               <a:rPr lang="en-US" smtClean="0"/>
-              <a:t>4/6/19</a:t>
+              <a:t>4/8/2019</a:t>
             </a:fld>
             <a:endParaRPr lang="en-US"/>
           </a:p>
@@ -2999,7 +3000,7 @@
           <a:p>
             <a:fld id="{1413064E-06D1-CA46-8C36-21FA595EAC52}" type="datetimeFigureOut">
               <a:rPr lang="en-US" smtClean="0"/>
-              <a:t>4/6/19</a:t>
+              <a:t>4/8/2019</a:t>
             </a:fld>
             <a:endParaRPr lang="en-US"/>
           </a:p>
@@ -3179,7 +3180,7 @@
           <a:p>
             <a:fld id="{1413064E-06D1-CA46-8C36-21FA595EAC52}" type="datetimeFigureOut">
               <a:rPr lang="en-US" smtClean="0"/>
-              <a:t>4/6/19</a:t>
+              <a:t>4/8/2019</a:t>
             </a:fld>
             <a:endParaRPr lang="en-US"/>
           </a:p>
@@ -3349,7 +3350,7 @@
           <a:p>
             <a:fld id="{1413064E-06D1-CA46-8C36-21FA595EAC52}" type="datetimeFigureOut">
               <a:rPr lang="en-US" smtClean="0"/>
-              <a:t>4/6/19</a:t>
+              <a:t>4/8/2019</a:t>
             </a:fld>
             <a:endParaRPr lang="en-US"/>
           </a:p>
@@ -3593,7 +3594,7 @@
           <a:p>
             <a:fld id="{1413064E-06D1-CA46-8C36-21FA595EAC52}" type="datetimeFigureOut">
               <a:rPr lang="en-US" smtClean="0"/>
-              <a:t>4/6/19</a:t>
+              <a:t>4/8/2019</a:t>
             </a:fld>
             <a:endParaRPr lang="en-US"/>
           </a:p>
@@ -3885,7 +3886,7 @@
           <a:p>
             <a:fld id="{1413064E-06D1-CA46-8C36-21FA595EAC52}" type="datetimeFigureOut">
               <a:rPr lang="en-US" smtClean="0"/>
-              <a:t>4/6/19</a:t>
+              <a:t>4/8/2019</a:t>
             </a:fld>
             <a:endParaRPr lang="en-US"/>
           </a:p>
@@ -4323,7 +4324,7 @@
           <a:p>
             <a:fld id="{1413064E-06D1-CA46-8C36-21FA595EAC52}" type="datetimeFigureOut">
               <a:rPr lang="en-US" smtClean="0"/>
-              <a:t>4/6/19</a:t>
+              <a:t>4/8/2019</a:t>
             </a:fld>
             <a:endParaRPr lang="en-US"/>
           </a:p>
@@ -4441,7 +4442,7 @@
           <a:p>
             <a:fld id="{1413064E-06D1-CA46-8C36-21FA595EAC52}" type="datetimeFigureOut">
               <a:rPr lang="en-US" smtClean="0"/>
-              <a:t>4/6/19</a:t>
+              <a:t>4/8/2019</a:t>
             </a:fld>
             <a:endParaRPr lang="en-US"/>
           </a:p>
@@ -4536,7 +4537,7 @@
           <a:p>
             <a:fld id="{1413064E-06D1-CA46-8C36-21FA595EAC52}" type="datetimeFigureOut">
               <a:rPr lang="en-US" smtClean="0"/>
-              <a:t>4/6/19</a:t>
+              <a:t>4/8/2019</a:t>
             </a:fld>
             <a:endParaRPr lang="en-US"/>
           </a:p>
@@ -4815,7 +4816,7 @@
           <a:p>
             <a:fld id="{1413064E-06D1-CA46-8C36-21FA595EAC52}" type="datetimeFigureOut">
               <a:rPr lang="en-US" smtClean="0"/>
-              <a:t>4/6/19</a:t>
+              <a:t>4/8/2019</a:t>
             </a:fld>
             <a:endParaRPr lang="en-US"/>
           </a:p>
@@ -5090,7 +5091,7 @@
           <a:p>
             <a:fld id="{1413064E-06D1-CA46-8C36-21FA595EAC52}" type="datetimeFigureOut">
               <a:rPr lang="en-US" smtClean="0"/>
-              <a:t>4/6/19</a:t>
+              <a:t>4/8/2019</a:t>
             </a:fld>
             <a:endParaRPr lang="en-US"/>
           </a:p>
@@ -5519,7 +5520,7 @@
           <a:p>
             <a:fld id="{1413064E-06D1-CA46-8C36-21FA595EAC52}" type="datetimeFigureOut">
               <a:rPr lang="en-US" smtClean="0"/>
-              <a:t>4/6/19</a:t>
+              <a:t>4/8/2019</a:t>
             </a:fld>
             <a:endParaRPr lang="en-US"/>
           </a:p>
@@ -6133,6 +6134,136 @@
 </p:sld>
 </file>
 
+<file path=ppt/slides/slide10.xml><?xml version="1.0" encoding="utf-8"?>
+<p:sld xmlns:a="http://schemas.openxmlformats.org/drawingml/2006/main" xmlns:r="http://schemas.openxmlformats.org/officeDocument/2006/relationships" xmlns:p="http://schemas.openxmlformats.org/presentationml/2006/main">
+  <p:cSld>
+    <p:spTree>
+      <p:nvGrpSpPr>
+        <p:cNvPr id="1" name=""/>
+        <p:cNvGrpSpPr/>
+        <p:nvPr/>
+      </p:nvGrpSpPr>
+      <p:grpSpPr>
+        <a:xfrm>
+          <a:off x="0" y="0"/>
+          <a:ext cx="0" cy="0"/>
+          <a:chOff x="0" y="0"/>
+          <a:chExt cx="0" cy="0"/>
+        </a:xfrm>
+      </p:grpSpPr>
+      <p:sp>
+        <p:nvSpPr>
+          <p:cNvPr id="2" name="Title 1">
+            <a:extLst>
+              <a:ext uri="{FF2B5EF4-FFF2-40B4-BE49-F238E27FC236}">
+                <a16:creationId xmlns:a16="http://schemas.microsoft.com/office/drawing/2014/main" id="{D443C54C-6DF9-CA4A-958E-308AAB870370}"/>
+              </a:ext>
+            </a:extLst>
+          </p:cNvPr>
+          <p:cNvSpPr>
+            <a:spLocks noGrp="1"/>
+          </p:cNvSpPr>
+          <p:nvPr>
+            <p:ph type="ctrTitle"/>
+          </p:nvPr>
+        </p:nvSpPr>
+        <p:spPr>
+          <a:xfrm>
+            <a:off x="1683171" y="1169773"/>
+            <a:ext cx="8825658" cy="2870161"/>
+          </a:xfrm>
+        </p:spPr>
+        <p:txBody>
+          <a:bodyPr anchor="b">
+            <a:normAutofit fontScale="90000"/>
+          </a:bodyPr>
+          <a:lstStyle/>
+          <a:p>
+            <a:pPr algn="ctr"/>
+            <a:r>
+              <a:rPr lang="en-US" dirty="0"/>
+              <a:t>Mass Spectrum Protein Matching with Neural Networks</a:t>
+            </a:r>
+          </a:p>
+        </p:txBody>
+      </p:sp>
+      <p:sp>
+        <p:nvSpPr>
+          <p:cNvPr id="3" name="Subtitle 2">
+            <a:extLst>
+              <a:ext uri="{FF2B5EF4-FFF2-40B4-BE49-F238E27FC236}">
+                <a16:creationId xmlns:a16="http://schemas.microsoft.com/office/drawing/2014/main" id="{CBB04ED8-73E4-FD41-843B-5F27AD032BF4}"/>
+              </a:ext>
+            </a:extLst>
+          </p:cNvPr>
+          <p:cNvSpPr>
+            <a:spLocks noGrp="1"/>
+          </p:cNvSpPr>
+          <p:nvPr>
+            <p:ph type="subTitle" idx="1"/>
+          </p:nvPr>
+        </p:nvSpPr>
+        <p:spPr>
+          <a:xfrm>
+            <a:off x="1683171" y="4293441"/>
+            <a:ext cx="8825658" cy="1234148"/>
+          </a:xfrm>
+        </p:spPr>
+        <p:txBody>
+          <a:bodyPr>
+            <a:normAutofit/>
+          </a:bodyPr>
+          <a:lstStyle/>
+          <a:p>
+            <a:pPr algn="ctr"/>
+            <a:r>
+              <a:rPr lang="en-US" sz="2000" cap="none" dirty="0">
+                <a:solidFill>
+                  <a:schemeClr val="tx1"/>
+                </a:solidFill>
+              </a:rPr>
+              <a:t>Matt Peter</a:t>
+            </a:r>
+          </a:p>
+          <a:p>
+            <a:pPr algn="ctr"/>
+            <a:r>
+              <a:rPr lang="en-US" sz="2000" cap="none" dirty="0">
+                <a:solidFill>
+                  <a:schemeClr val="tx1"/>
+                </a:solidFill>
+              </a:rPr>
+              <a:t>Jonah </a:t>
+            </a:r>
+            <a:r>
+              <a:rPr lang="en-US" sz="2000" cap="none" dirty="0" err="1">
+                <a:solidFill>
+                  <a:schemeClr val="tx1"/>
+                </a:solidFill>
+              </a:rPr>
+              <a:t>Kubath</a:t>
+            </a:r>
+            <a:endParaRPr lang="en-US" sz="2000" cap="none" dirty="0">
+              <a:solidFill>
+                <a:schemeClr val="tx1"/>
+              </a:solidFill>
+            </a:endParaRPr>
+          </a:p>
+        </p:txBody>
+      </p:sp>
+    </p:spTree>
+    <p:extLst>
+      <p:ext uri="{BB962C8B-B14F-4D97-AF65-F5344CB8AC3E}">
+        <p14:creationId xmlns:p14="http://schemas.microsoft.com/office/powerpoint/2010/main" val="481313425"/>
+      </p:ext>
+    </p:extLst>
+  </p:cSld>
+  <p:clrMapOvr>
+    <a:masterClrMapping/>
+  </p:clrMapOvr>
+</p:sld>
+</file>
+
 <file path=ppt/slides/slide2.xml><?xml version="1.0" encoding="utf-8"?>
 <p:sld xmlns:a="http://schemas.openxmlformats.org/drawingml/2006/main" xmlns:r="http://schemas.openxmlformats.org/officeDocument/2006/relationships" xmlns:p="http://schemas.openxmlformats.org/presentationml/2006/main">
   <p:cSld>
@@ -8020,7 +8151,7 @@
                   <a:schemeClr val="tx1"/>
                 </a:solidFill>
               </a:rPr>
-              <a:t>With MS2 test data, %30 accuracy for predicted protein label</a:t>
+              <a:t>With MS2 test data, %26 accuracy for predicted protein label</a:t>
             </a:r>
           </a:p>
           <a:p>
@@ -8145,6 +8276,255 @@
 </file>
 
 <file path=ppt/slides/slide8.xml><?xml version="1.0" encoding="utf-8"?>
+<p:sld xmlns:a="http://schemas.openxmlformats.org/drawingml/2006/main" xmlns:r="http://schemas.openxmlformats.org/officeDocument/2006/relationships" xmlns:p="http://schemas.openxmlformats.org/presentationml/2006/main">
+  <p:cSld>
+    <p:spTree>
+      <p:nvGrpSpPr>
+        <p:cNvPr id="1" name=""/>
+        <p:cNvGrpSpPr/>
+        <p:nvPr/>
+      </p:nvGrpSpPr>
+      <p:grpSpPr>
+        <a:xfrm>
+          <a:off x="0" y="0"/>
+          <a:ext cx="0" cy="0"/>
+          <a:chOff x="0" y="0"/>
+          <a:chExt cx="0" cy="0"/>
+        </a:xfrm>
+      </p:grpSpPr>
+      <p:sp>
+        <p:nvSpPr>
+          <p:cNvPr id="2" name="Title 1">
+            <a:extLst>
+              <a:ext uri="{FF2B5EF4-FFF2-40B4-BE49-F238E27FC236}">
+                <a16:creationId xmlns:a16="http://schemas.microsoft.com/office/drawing/2014/main" id="{17E01F6E-6773-4EE6-B85A-776D98EA9D29}"/>
+              </a:ext>
+            </a:extLst>
+          </p:cNvPr>
+          <p:cNvSpPr>
+            <a:spLocks noGrp="1"/>
+          </p:cNvSpPr>
+          <p:nvPr>
+            <p:ph type="title"/>
+          </p:nvPr>
+        </p:nvSpPr>
+        <p:spPr/>
+        <p:txBody>
+          <a:bodyPr/>
+          <a:lstStyle/>
+          <a:p>
+            <a:r>
+              <a:rPr lang="en-US" dirty="0"/>
+              <a:t>Results</a:t>
+            </a:r>
+          </a:p>
+        </p:txBody>
+      </p:sp>
+      <p:pic>
+        <p:nvPicPr>
+          <p:cNvPr id="5" name="Content Placeholder 4">
+            <a:extLst>
+              <a:ext uri="{FF2B5EF4-FFF2-40B4-BE49-F238E27FC236}">
+                <a16:creationId xmlns:a16="http://schemas.microsoft.com/office/drawing/2014/main" id="{818AB6D6-F1F6-43D2-8578-882EA7120E9B}"/>
+              </a:ext>
+            </a:extLst>
+          </p:cNvPr>
+          <p:cNvPicPr>
+            <a:picLocks noGrp="1" noChangeAspect="1"/>
+          </p:cNvPicPr>
+          <p:nvPr>
+            <p:ph idx="1"/>
+          </p:nvPr>
+        </p:nvPicPr>
+        <p:blipFill>
+          <a:blip r:embed="rId2"/>
+          <a:stretch>
+            <a:fillRect/>
+          </a:stretch>
+        </p:blipFill>
+        <p:spPr>
+          <a:xfrm>
+            <a:off x="595957" y="1859334"/>
+            <a:ext cx="4752515" cy="2380251"/>
+          </a:xfrm>
+        </p:spPr>
+      </p:pic>
+      <p:pic>
+        <p:nvPicPr>
+          <p:cNvPr id="7" name="Picture 6">
+            <a:extLst>
+              <a:ext uri="{FF2B5EF4-FFF2-40B4-BE49-F238E27FC236}">
+                <a16:creationId xmlns:a16="http://schemas.microsoft.com/office/drawing/2014/main" id="{AED54089-D5B1-43E5-B39E-6419C1B8FE91}"/>
+              </a:ext>
+            </a:extLst>
+          </p:cNvPr>
+          <p:cNvPicPr>
+            <a:picLocks noChangeAspect="1"/>
+          </p:cNvPicPr>
+          <p:nvPr/>
+        </p:nvPicPr>
+        <p:blipFill>
+          <a:blip r:embed="rId3"/>
+          <a:stretch>
+            <a:fillRect/>
+          </a:stretch>
+        </p:blipFill>
+        <p:spPr>
+          <a:xfrm>
+            <a:off x="1962564" y="5686190"/>
+            <a:ext cx="2019300" cy="200025"/>
+          </a:xfrm>
+          <a:prstGeom prst="rect">
+            <a:avLst/>
+          </a:prstGeom>
+        </p:spPr>
+      </p:pic>
+      <p:pic>
+        <p:nvPicPr>
+          <p:cNvPr id="9" name="Picture 8">
+            <a:extLst>
+              <a:ext uri="{FF2B5EF4-FFF2-40B4-BE49-F238E27FC236}">
+                <a16:creationId xmlns:a16="http://schemas.microsoft.com/office/drawing/2014/main" id="{BD5B7251-8219-43DF-B80A-ED1E15E5A1CD}"/>
+              </a:ext>
+            </a:extLst>
+          </p:cNvPr>
+          <p:cNvPicPr>
+            <a:picLocks noChangeAspect="1"/>
+          </p:cNvPicPr>
+          <p:nvPr/>
+        </p:nvPicPr>
+        <p:blipFill>
+          <a:blip r:embed="rId4"/>
+          <a:stretch>
+            <a:fillRect/>
+          </a:stretch>
+        </p:blipFill>
+        <p:spPr>
+          <a:xfrm>
+            <a:off x="6708711" y="1859334"/>
+            <a:ext cx="4752515" cy="2968322"/>
+          </a:xfrm>
+          <a:prstGeom prst="rect">
+            <a:avLst/>
+          </a:prstGeom>
+        </p:spPr>
+      </p:pic>
+      <p:pic>
+        <p:nvPicPr>
+          <p:cNvPr id="11" name="Picture 10">
+            <a:extLst>
+              <a:ext uri="{FF2B5EF4-FFF2-40B4-BE49-F238E27FC236}">
+                <a16:creationId xmlns:a16="http://schemas.microsoft.com/office/drawing/2014/main" id="{8B7E1709-3F59-46AC-99DF-847637D23717}"/>
+              </a:ext>
+            </a:extLst>
+          </p:cNvPr>
+          <p:cNvPicPr>
+            <a:picLocks noChangeAspect="1"/>
+          </p:cNvPicPr>
+          <p:nvPr/>
+        </p:nvPicPr>
+        <p:blipFill>
+          <a:blip r:embed="rId5"/>
+          <a:stretch>
+            <a:fillRect/>
+          </a:stretch>
+        </p:blipFill>
+        <p:spPr>
+          <a:xfrm>
+            <a:off x="8070555" y="5686190"/>
+            <a:ext cx="2028825" cy="200025"/>
+          </a:xfrm>
+          <a:prstGeom prst="rect">
+            <a:avLst/>
+          </a:prstGeom>
+        </p:spPr>
+      </p:pic>
+      <p:sp>
+        <p:nvSpPr>
+          <p:cNvPr id="12" name="TextBox 11">
+            <a:extLst>
+              <a:ext uri="{FF2B5EF4-FFF2-40B4-BE49-F238E27FC236}">
+                <a16:creationId xmlns:a16="http://schemas.microsoft.com/office/drawing/2014/main" id="{B705CFFB-F784-462D-A342-10A7E3A7D9F9}"/>
+              </a:ext>
+            </a:extLst>
+          </p:cNvPr>
+          <p:cNvSpPr txBox="1"/>
+          <p:nvPr/>
+        </p:nvSpPr>
+        <p:spPr>
+          <a:xfrm>
+            <a:off x="1771922" y="1427540"/>
+            <a:ext cx="2405849" cy="369332"/>
+          </a:xfrm>
+          <a:prstGeom prst="rect">
+            <a:avLst/>
+          </a:prstGeom>
+          <a:noFill/>
+        </p:spPr>
+        <p:txBody>
+          <a:bodyPr wrap="square" rtlCol="0">
+            <a:spAutoFit/>
+          </a:bodyPr>
+          <a:lstStyle/>
+          <a:p>
+            <a:pPr algn="ctr"/>
+            <a:r>
+              <a:rPr lang="en-US" dirty="0"/>
+              <a:t>Dense Network</a:t>
+            </a:r>
+          </a:p>
+        </p:txBody>
+      </p:sp>
+      <p:sp>
+        <p:nvSpPr>
+          <p:cNvPr id="13" name="TextBox 12">
+            <a:extLst>
+              <a:ext uri="{FF2B5EF4-FFF2-40B4-BE49-F238E27FC236}">
+                <a16:creationId xmlns:a16="http://schemas.microsoft.com/office/drawing/2014/main" id="{85A9C9F9-81AE-4F48-A5A4-F71F3A792406}"/>
+              </a:ext>
+            </a:extLst>
+          </p:cNvPr>
+          <p:cNvSpPr txBox="1"/>
+          <p:nvPr/>
+        </p:nvSpPr>
+        <p:spPr>
+          <a:xfrm>
+            <a:off x="7488839" y="1427540"/>
+            <a:ext cx="3192255" cy="369332"/>
+          </a:xfrm>
+          <a:prstGeom prst="rect">
+            <a:avLst/>
+          </a:prstGeom>
+          <a:noFill/>
+        </p:spPr>
+        <p:txBody>
+          <a:bodyPr wrap="square" rtlCol="0">
+            <a:spAutoFit/>
+          </a:bodyPr>
+          <a:lstStyle/>
+          <a:p>
+            <a:pPr algn="ctr"/>
+            <a:r>
+              <a:rPr lang="en-US" dirty="0"/>
+              <a:t>Convolutional Network</a:t>
+            </a:r>
+          </a:p>
+        </p:txBody>
+      </p:sp>
+    </p:spTree>
+    <p:extLst>
+      <p:ext uri="{BB962C8B-B14F-4D97-AF65-F5344CB8AC3E}">
+        <p14:creationId xmlns:p14="http://schemas.microsoft.com/office/powerpoint/2010/main" val="72608370"/>
+      </p:ext>
+    </p:extLst>
+  </p:cSld>
+  <p:clrMapOvr>
+    <a:masterClrMapping/>
+  </p:clrMapOvr>
+</p:sld>
+</file>
+
+<file path=ppt/slides/slide9.xml><?xml version="1.0" encoding="utf-8"?>
 <p:sld xmlns:a="http://schemas.openxmlformats.org/drawingml/2006/main" xmlns:r="http://schemas.openxmlformats.org/officeDocument/2006/relationships" xmlns:p="http://schemas.openxmlformats.org/presentationml/2006/main">
   <p:cSld>
     <p:bg>
@@ -8432,136 +8812,6 @@
     <p:extLst>
       <p:ext uri="{BB962C8B-B14F-4D97-AF65-F5344CB8AC3E}">
         <p14:creationId xmlns:p14="http://schemas.microsoft.com/office/powerpoint/2010/main" val="586712507"/>
-      </p:ext>
-    </p:extLst>
-  </p:cSld>
-  <p:clrMapOvr>
-    <a:masterClrMapping/>
-  </p:clrMapOvr>
-</p:sld>
-</file>
-
-<file path=ppt/slides/slide9.xml><?xml version="1.0" encoding="utf-8"?>
-<p:sld xmlns:a="http://schemas.openxmlformats.org/drawingml/2006/main" xmlns:r="http://schemas.openxmlformats.org/officeDocument/2006/relationships" xmlns:p="http://schemas.openxmlformats.org/presentationml/2006/main">
-  <p:cSld>
-    <p:spTree>
-      <p:nvGrpSpPr>
-        <p:cNvPr id="1" name=""/>
-        <p:cNvGrpSpPr/>
-        <p:nvPr/>
-      </p:nvGrpSpPr>
-      <p:grpSpPr>
-        <a:xfrm>
-          <a:off x="0" y="0"/>
-          <a:ext cx="0" cy="0"/>
-          <a:chOff x="0" y="0"/>
-          <a:chExt cx="0" cy="0"/>
-        </a:xfrm>
-      </p:grpSpPr>
-      <p:sp>
-        <p:nvSpPr>
-          <p:cNvPr id="2" name="Title 1">
-            <a:extLst>
-              <a:ext uri="{FF2B5EF4-FFF2-40B4-BE49-F238E27FC236}">
-                <a16:creationId xmlns:a16="http://schemas.microsoft.com/office/drawing/2014/main" id="{D443C54C-6DF9-CA4A-958E-308AAB870370}"/>
-              </a:ext>
-            </a:extLst>
-          </p:cNvPr>
-          <p:cNvSpPr>
-            <a:spLocks noGrp="1"/>
-          </p:cNvSpPr>
-          <p:nvPr>
-            <p:ph type="ctrTitle"/>
-          </p:nvPr>
-        </p:nvSpPr>
-        <p:spPr>
-          <a:xfrm>
-            <a:off x="1683171" y="1169773"/>
-            <a:ext cx="8825658" cy="2870161"/>
-          </a:xfrm>
-        </p:spPr>
-        <p:txBody>
-          <a:bodyPr anchor="b">
-            <a:normAutofit fontScale="90000"/>
-          </a:bodyPr>
-          <a:lstStyle/>
-          <a:p>
-            <a:pPr algn="ctr"/>
-            <a:r>
-              <a:rPr lang="en-US" dirty="0"/>
-              <a:t>Mass Spectrum Protein Matching with Neural Networks</a:t>
-            </a:r>
-          </a:p>
-        </p:txBody>
-      </p:sp>
-      <p:sp>
-        <p:nvSpPr>
-          <p:cNvPr id="3" name="Subtitle 2">
-            <a:extLst>
-              <a:ext uri="{FF2B5EF4-FFF2-40B4-BE49-F238E27FC236}">
-                <a16:creationId xmlns:a16="http://schemas.microsoft.com/office/drawing/2014/main" id="{CBB04ED8-73E4-FD41-843B-5F27AD032BF4}"/>
-              </a:ext>
-            </a:extLst>
-          </p:cNvPr>
-          <p:cNvSpPr>
-            <a:spLocks noGrp="1"/>
-          </p:cNvSpPr>
-          <p:nvPr>
-            <p:ph type="subTitle" idx="1"/>
-          </p:nvPr>
-        </p:nvSpPr>
-        <p:spPr>
-          <a:xfrm>
-            <a:off x="1683171" y="4293441"/>
-            <a:ext cx="8825658" cy="1234148"/>
-          </a:xfrm>
-        </p:spPr>
-        <p:txBody>
-          <a:bodyPr>
-            <a:normAutofit/>
-          </a:bodyPr>
-          <a:lstStyle/>
-          <a:p>
-            <a:pPr algn="ctr"/>
-            <a:r>
-              <a:rPr lang="en-US" sz="2000" cap="none" dirty="0">
-                <a:solidFill>
-                  <a:schemeClr val="tx1"/>
-                </a:solidFill>
-              </a:rPr>
-              <a:t>Matt Peter</a:t>
-            </a:r>
-          </a:p>
-          <a:p>
-            <a:pPr algn="ctr"/>
-            <a:r>
-              <a:rPr lang="en-US" sz="2000" cap="none" dirty="0">
-                <a:solidFill>
-                  <a:schemeClr val="tx1"/>
-                </a:solidFill>
-              </a:rPr>
-              <a:t>Jonah </a:t>
-            </a:r>
-            <a:r>
-              <a:rPr lang="en-US" sz="2000" cap="none" dirty="0" err="1">
-                <a:solidFill>
-                  <a:schemeClr val="tx1"/>
-                </a:solidFill>
-              </a:rPr>
-              <a:t>Kubath</a:t>
-            </a:r>
-            <a:endParaRPr lang="en-US" sz="2000" cap="none" dirty="0">
-              <a:solidFill>
-                <a:schemeClr val="tx1"/>
-              </a:solidFill>
-            </a:endParaRPr>
-          </a:p>
-        </p:txBody>
-      </p:sp>
-    </p:spTree>
-    <p:extLst>
-      <p:ext uri="{BB962C8B-B14F-4D97-AF65-F5344CB8AC3E}">
-        <p14:creationId xmlns:p14="http://schemas.microsoft.com/office/powerpoint/2010/main" val="481313425"/>
       </p:ext>
     </p:extLst>
   </p:cSld>
